--- a/_Working with Azure Resource Manager.pptx
+++ b/_Working with Azure Resource Manager.pptx
@@ -2359,6 +2359,753 @@
 </file>
 
 <file path=ppt/diagrams/colors4.xml><?xml version="1.0" encoding="utf-8"?>
+<dgm:colorsDef xmlns:dgm="http://schemas.openxmlformats.org/drawingml/2006/diagram" xmlns:a="http://schemas.openxmlformats.org/drawingml/2006/main" uniqueId="urn:microsoft.com/office/officeart/2005/8/colors/accent1_2">
+  <dgm:title val=""/>
+  <dgm:desc val=""/>
+  <dgm:catLst>
+    <dgm:cat type="accent1" pri="11200"/>
+  </dgm:catLst>
+  <dgm:styleLbl name="node0">
+    <dgm:fillClrLst meth="repeat">
+      <a:schemeClr val="accent1"/>
+    </dgm:fillClrLst>
+    <dgm:linClrLst meth="repeat">
+      <a:schemeClr val="lt1"/>
+    </dgm:linClrLst>
+    <dgm:effectClrLst/>
+    <dgm:txLinClrLst/>
+    <dgm:txFillClrLst/>
+    <dgm:txEffectClrLst/>
+  </dgm:styleLbl>
+  <dgm:styleLbl name="alignNode1">
+    <dgm:fillClrLst meth="repeat">
+      <a:schemeClr val="accent1"/>
+    </dgm:fillClrLst>
+    <dgm:linClrLst meth="repeat">
+      <a:schemeClr val="accent1"/>
+    </dgm:linClrLst>
+    <dgm:effectClrLst/>
+    <dgm:txLinClrLst/>
+    <dgm:txFillClrLst/>
+    <dgm:txEffectClrLst/>
+  </dgm:styleLbl>
+  <dgm:styleLbl name="node1">
+    <dgm:fillClrLst meth="repeat">
+      <a:schemeClr val="accent1"/>
+    </dgm:fillClrLst>
+    <dgm:linClrLst meth="repeat">
+      <a:schemeClr val="lt1"/>
+    </dgm:linClrLst>
+    <dgm:effectClrLst/>
+    <dgm:txLinClrLst/>
+    <dgm:txFillClrLst/>
+    <dgm:txEffectClrLst/>
+  </dgm:styleLbl>
+  <dgm:styleLbl name="lnNode1">
+    <dgm:fillClrLst meth="repeat">
+      <a:schemeClr val="accent1"/>
+    </dgm:fillClrLst>
+    <dgm:linClrLst meth="repeat">
+      <a:schemeClr val="lt1"/>
+    </dgm:linClrLst>
+    <dgm:effectClrLst/>
+    <dgm:txLinClrLst/>
+    <dgm:txFillClrLst/>
+    <dgm:txEffectClrLst/>
+  </dgm:styleLbl>
+  <dgm:styleLbl name="vennNode1">
+    <dgm:fillClrLst meth="repeat">
+      <a:schemeClr val="accent1">
+        <a:alpha val="50000"/>
+      </a:schemeClr>
+    </dgm:fillClrLst>
+    <dgm:linClrLst meth="repeat">
+      <a:schemeClr val="lt1"/>
+    </dgm:linClrLst>
+    <dgm:effectClrLst/>
+    <dgm:txLinClrLst/>
+    <dgm:txFillClrLst/>
+    <dgm:txEffectClrLst/>
+  </dgm:styleLbl>
+  <dgm:styleLbl name="node2">
+    <dgm:fillClrLst meth="repeat">
+      <a:schemeClr val="accent1"/>
+    </dgm:fillClrLst>
+    <dgm:linClrLst meth="repeat">
+      <a:schemeClr val="lt1"/>
+    </dgm:linClrLst>
+    <dgm:effectClrLst/>
+    <dgm:txLinClrLst/>
+    <dgm:txFillClrLst/>
+    <dgm:txEffectClrLst/>
+  </dgm:styleLbl>
+  <dgm:styleLbl name="node3">
+    <dgm:fillClrLst meth="repeat">
+      <a:schemeClr val="accent1"/>
+    </dgm:fillClrLst>
+    <dgm:linClrLst meth="repeat">
+      <a:schemeClr val="lt1"/>
+    </dgm:linClrLst>
+    <dgm:effectClrLst/>
+    <dgm:txLinClrLst/>
+    <dgm:txFillClrLst/>
+    <dgm:txEffectClrLst/>
+  </dgm:styleLbl>
+  <dgm:styleLbl name="node4">
+    <dgm:fillClrLst meth="repeat">
+      <a:schemeClr val="accent1"/>
+    </dgm:fillClrLst>
+    <dgm:linClrLst meth="repeat">
+      <a:schemeClr val="lt1"/>
+    </dgm:linClrLst>
+    <dgm:effectClrLst/>
+    <dgm:txLinClrLst/>
+    <dgm:txFillClrLst/>
+    <dgm:txEffectClrLst/>
+  </dgm:styleLbl>
+  <dgm:styleLbl name="fgImgPlace1">
+    <dgm:fillClrLst meth="repeat">
+      <a:schemeClr val="accent1">
+        <a:tint val="50000"/>
+      </a:schemeClr>
+    </dgm:fillClrLst>
+    <dgm:linClrLst meth="repeat">
+      <a:schemeClr val="lt1"/>
+    </dgm:linClrLst>
+    <dgm:effectClrLst/>
+    <dgm:txLinClrLst/>
+    <dgm:txFillClrLst meth="repeat">
+      <a:schemeClr val="lt1"/>
+    </dgm:txFillClrLst>
+    <dgm:txEffectClrLst/>
+  </dgm:styleLbl>
+  <dgm:styleLbl name="alignImgPlace1">
+    <dgm:fillClrLst meth="repeat">
+      <a:schemeClr val="accent1">
+        <a:tint val="50000"/>
+      </a:schemeClr>
+    </dgm:fillClrLst>
+    <dgm:linClrLst meth="repeat">
+      <a:schemeClr val="lt1"/>
+    </dgm:linClrLst>
+    <dgm:effectClrLst/>
+    <dgm:txLinClrLst/>
+    <dgm:txFillClrLst meth="repeat">
+      <a:schemeClr val="lt1"/>
+    </dgm:txFillClrLst>
+    <dgm:txEffectClrLst/>
+  </dgm:styleLbl>
+  <dgm:styleLbl name="bgImgPlace1">
+    <dgm:fillClrLst meth="repeat">
+      <a:schemeClr val="accent1">
+        <a:tint val="50000"/>
+      </a:schemeClr>
+    </dgm:fillClrLst>
+    <dgm:linClrLst meth="repeat">
+      <a:schemeClr val="lt1"/>
+    </dgm:linClrLst>
+    <dgm:effectClrLst/>
+    <dgm:txLinClrLst/>
+    <dgm:txFillClrLst meth="repeat">
+      <a:schemeClr val="lt1"/>
+    </dgm:txFillClrLst>
+    <dgm:txEffectClrLst/>
+  </dgm:styleLbl>
+  <dgm:styleLbl name="sibTrans2D1">
+    <dgm:fillClrLst meth="repeat">
+      <a:schemeClr val="accent1">
+        <a:tint val="60000"/>
+      </a:schemeClr>
+    </dgm:fillClrLst>
+    <dgm:linClrLst meth="repeat">
+      <a:schemeClr val="accent1">
+        <a:tint val="60000"/>
+      </a:schemeClr>
+    </dgm:linClrLst>
+    <dgm:effectClrLst/>
+    <dgm:txLinClrLst/>
+    <dgm:txFillClrLst/>
+    <dgm:txEffectClrLst/>
+  </dgm:styleLbl>
+  <dgm:styleLbl name="fgSibTrans2D1">
+    <dgm:fillClrLst meth="repeat">
+      <a:schemeClr val="accent1">
+        <a:tint val="60000"/>
+      </a:schemeClr>
+    </dgm:fillClrLst>
+    <dgm:linClrLst meth="repeat">
+      <a:schemeClr val="accent1">
+        <a:tint val="60000"/>
+      </a:schemeClr>
+    </dgm:linClrLst>
+    <dgm:effectClrLst/>
+    <dgm:txLinClrLst/>
+    <dgm:txFillClrLst/>
+    <dgm:txEffectClrLst/>
+  </dgm:styleLbl>
+  <dgm:styleLbl name="bgSibTrans2D1">
+    <dgm:fillClrLst meth="repeat">
+      <a:schemeClr val="accent1">
+        <a:tint val="60000"/>
+      </a:schemeClr>
+    </dgm:fillClrLst>
+    <dgm:linClrLst meth="repeat">
+      <a:schemeClr val="accent1">
+        <a:tint val="60000"/>
+      </a:schemeClr>
+    </dgm:linClrLst>
+    <dgm:effectClrLst/>
+    <dgm:txLinClrLst/>
+    <dgm:txFillClrLst/>
+    <dgm:txEffectClrLst/>
+  </dgm:styleLbl>
+  <dgm:styleLbl name="sibTrans1D1">
+    <dgm:fillClrLst meth="repeat">
+      <a:schemeClr val="accent1"/>
+    </dgm:fillClrLst>
+    <dgm:linClrLst meth="repeat">
+      <a:schemeClr val="accent1"/>
+    </dgm:linClrLst>
+    <dgm:effectClrLst/>
+    <dgm:txLinClrLst/>
+    <dgm:txFillClrLst meth="repeat">
+      <a:schemeClr val="tx1"/>
+    </dgm:txFillClrLst>
+    <dgm:txEffectClrLst/>
+  </dgm:styleLbl>
+  <dgm:styleLbl name="callout">
+    <dgm:fillClrLst meth="repeat">
+      <a:schemeClr val="accent1"/>
+    </dgm:fillClrLst>
+    <dgm:linClrLst meth="repeat">
+      <a:schemeClr val="accent1">
+        <a:tint val="50000"/>
+      </a:schemeClr>
+    </dgm:linClrLst>
+    <dgm:effectClrLst/>
+    <dgm:txLinClrLst/>
+    <dgm:txFillClrLst meth="repeat">
+      <a:schemeClr val="tx1"/>
+    </dgm:txFillClrLst>
+    <dgm:txEffectClrLst/>
+  </dgm:styleLbl>
+  <dgm:styleLbl name="asst0">
+    <dgm:fillClrLst meth="repeat">
+      <a:schemeClr val="accent1"/>
+    </dgm:fillClrLst>
+    <dgm:linClrLst meth="repeat">
+      <a:schemeClr val="lt1"/>
+    </dgm:linClrLst>
+    <dgm:effectClrLst/>
+    <dgm:txLinClrLst/>
+    <dgm:txFillClrLst/>
+    <dgm:txEffectClrLst/>
+  </dgm:styleLbl>
+  <dgm:styleLbl name="asst1">
+    <dgm:fillClrLst meth="repeat">
+      <a:schemeClr val="accent1"/>
+    </dgm:fillClrLst>
+    <dgm:linClrLst meth="repeat">
+      <a:schemeClr val="lt1"/>
+    </dgm:linClrLst>
+    <dgm:effectClrLst/>
+    <dgm:txLinClrLst/>
+    <dgm:txFillClrLst/>
+    <dgm:txEffectClrLst/>
+  </dgm:styleLbl>
+  <dgm:styleLbl name="asst2">
+    <dgm:fillClrLst meth="repeat">
+      <a:schemeClr val="accent1"/>
+    </dgm:fillClrLst>
+    <dgm:linClrLst meth="repeat">
+      <a:schemeClr val="lt1"/>
+    </dgm:linClrLst>
+    <dgm:effectClrLst/>
+    <dgm:txLinClrLst/>
+    <dgm:txFillClrLst/>
+    <dgm:txEffectClrLst/>
+  </dgm:styleLbl>
+  <dgm:styleLbl name="asst3">
+    <dgm:fillClrLst meth="repeat">
+      <a:schemeClr val="accent1"/>
+    </dgm:fillClrLst>
+    <dgm:linClrLst meth="repeat">
+      <a:schemeClr val="lt1"/>
+    </dgm:linClrLst>
+    <dgm:effectClrLst/>
+    <dgm:txLinClrLst/>
+    <dgm:txFillClrLst/>
+    <dgm:txEffectClrLst/>
+  </dgm:styleLbl>
+  <dgm:styleLbl name="asst4">
+    <dgm:fillClrLst meth="repeat">
+      <a:schemeClr val="accent1"/>
+    </dgm:fillClrLst>
+    <dgm:linClrLst meth="repeat">
+      <a:schemeClr val="lt1"/>
+    </dgm:linClrLst>
+    <dgm:effectClrLst/>
+    <dgm:txLinClrLst/>
+    <dgm:txFillClrLst/>
+    <dgm:txEffectClrLst/>
+  </dgm:styleLbl>
+  <dgm:styleLbl name="parChTrans2D1">
+    <dgm:fillClrLst meth="repeat">
+      <a:schemeClr val="accent1">
+        <a:tint val="60000"/>
+      </a:schemeClr>
+    </dgm:fillClrLst>
+    <dgm:linClrLst meth="repeat">
+      <a:schemeClr val="accent1">
+        <a:tint val="60000"/>
+      </a:schemeClr>
+    </dgm:linClrLst>
+    <dgm:effectClrLst/>
+    <dgm:txLinClrLst/>
+    <dgm:txFillClrLst meth="repeat">
+      <a:schemeClr val="lt1"/>
+    </dgm:txFillClrLst>
+    <dgm:txEffectClrLst/>
+  </dgm:styleLbl>
+  <dgm:styleLbl name="parChTrans2D2">
+    <dgm:fillClrLst meth="repeat">
+      <a:schemeClr val="accent1"/>
+    </dgm:fillClrLst>
+    <dgm:linClrLst meth="repeat">
+      <a:schemeClr val="accent1"/>
+    </dgm:linClrLst>
+    <dgm:effectClrLst/>
+    <dgm:txLinClrLst/>
+    <dgm:txFillClrLst meth="repeat">
+      <a:schemeClr val="lt1"/>
+    </dgm:txFillClrLst>
+    <dgm:txEffectClrLst/>
+  </dgm:styleLbl>
+  <dgm:styleLbl name="parChTrans2D3">
+    <dgm:fillClrLst meth="repeat">
+      <a:schemeClr val="accent1"/>
+    </dgm:fillClrLst>
+    <dgm:linClrLst meth="repeat">
+      <a:schemeClr val="accent1"/>
+    </dgm:linClrLst>
+    <dgm:effectClrLst/>
+    <dgm:txLinClrLst/>
+    <dgm:txFillClrLst meth="repeat">
+      <a:schemeClr val="lt1"/>
+    </dgm:txFillClrLst>
+    <dgm:txEffectClrLst/>
+  </dgm:styleLbl>
+  <dgm:styleLbl name="parChTrans2D4">
+    <dgm:fillClrLst meth="repeat">
+      <a:schemeClr val="accent1"/>
+    </dgm:fillClrLst>
+    <dgm:linClrLst meth="repeat">
+      <a:schemeClr val="accent1"/>
+    </dgm:linClrLst>
+    <dgm:effectClrLst/>
+    <dgm:txLinClrLst/>
+    <dgm:txFillClrLst meth="repeat">
+      <a:schemeClr val="lt1"/>
+    </dgm:txFillClrLst>
+    <dgm:txEffectClrLst/>
+  </dgm:styleLbl>
+  <dgm:styleLbl name="parChTrans1D1">
+    <dgm:fillClrLst meth="repeat">
+      <a:schemeClr val="accent1"/>
+    </dgm:fillClrLst>
+    <dgm:linClrLst meth="repeat">
+      <a:schemeClr val="accent1">
+        <a:shade val="60000"/>
+      </a:schemeClr>
+    </dgm:linClrLst>
+    <dgm:effectClrLst/>
+    <dgm:txLinClrLst/>
+    <dgm:txFillClrLst meth="repeat">
+      <a:schemeClr val="tx1"/>
+    </dgm:txFillClrLst>
+    <dgm:txEffectClrLst/>
+  </dgm:styleLbl>
+  <dgm:styleLbl name="parChTrans1D2">
+    <dgm:fillClrLst meth="repeat">
+      <a:schemeClr val="accent1"/>
+    </dgm:fillClrLst>
+    <dgm:linClrLst meth="repeat">
+      <a:schemeClr val="accent1">
+        <a:shade val="60000"/>
+      </a:schemeClr>
+    </dgm:linClrLst>
+    <dgm:effectClrLst/>
+    <dgm:txLinClrLst/>
+    <dgm:txFillClrLst meth="repeat">
+      <a:schemeClr val="tx1"/>
+    </dgm:txFillClrLst>
+    <dgm:txEffectClrLst/>
+  </dgm:styleLbl>
+  <dgm:styleLbl name="parChTrans1D3">
+    <dgm:fillClrLst meth="repeat">
+      <a:schemeClr val="accent1"/>
+    </dgm:fillClrLst>
+    <dgm:linClrLst meth="repeat">
+      <a:schemeClr val="accent1">
+        <a:shade val="80000"/>
+      </a:schemeClr>
+    </dgm:linClrLst>
+    <dgm:effectClrLst/>
+    <dgm:txLinClrLst/>
+    <dgm:txFillClrLst meth="repeat">
+      <a:schemeClr val="tx1"/>
+    </dgm:txFillClrLst>
+    <dgm:txEffectClrLst/>
+  </dgm:styleLbl>
+  <dgm:styleLbl name="parChTrans1D4">
+    <dgm:fillClrLst meth="repeat">
+      <a:schemeClr val="accent1"/>
+    </dgm:fillClrLst>
+    <dgm:linClrLst meth="repeat">
+      <a:schemeClr val="accent1">
+        <a:shade val="80000"/>
+      </a:schemeClr>
+    </dgm:linClrLst>
+    <dgm:effectClrLst/>
+    <dgm:txLinClrLst/>
+    <dgm:txFillClrLst meth="repeat">
+      <a:schemeClr val="tx1"/>
+    </dgm:txFillClrLst>
+    <dgm:txEffectClrLst/>
+  </dgm:styleLbl>
+  <dgm:styleLbl name="fgAcc1">
+    <dgm:fillClrLst meth="repeat">
+      <a:schemeClr val="lt1">
+        <a:alpha val="90000"/>
+      </a:schemeClr>
+    </dgm:fillClrLst>
+    <dgm:linClrLst meth="repeat">
+      <a:schemeClr val="accent1"/>
+    </dgm:linClrLst>
+    <dgm:effectClrLst/>
+    <dgm:txLinClrLst/>
+    <dgm:txFillClrLst meth="repeat">
+      <a:schemeClr val="dk1"/>
+    </dgm:txFillClrLst>
+    <dgm:txEffectClrLst/>
+  </dgm:styleLbl>
+  <dgm:styleLbl name="conFgAcc1">
+    <dgm:fillClrLst meth="repeat">
+      <a:schemeClr val="lt1">
+        <a:alpha val="90000"/>
+      </a:schemeClr>
+    </dgm:fillClrLst>
+    <dgm:linClrLst meth="repeat">
+      <a:schemeClr val="accent1"/>
+    </dgm:linClrLst>
+    <dgm:effectClrLst/>
+    <dgm:txLinClrLst/>
+    <dgm:txFillClrLst meth="repeat">
+      <a:schemeClr val="dk1"/>
+    </dgm:txFillClrLst>
+    <dgm:txEffectClrLst/>
+  </dgm:styleLbl>
+  <dgm:styleLbl name="alignAcc1">
+    <dgm:fillClrLst meth="repeat">
+      <a:schemeClr val="lt1">
+        <a:alpha val="90000"/>
+      </a:schemeClr>
+    </dgm:fillClrLst>
+    <dgm:linClrLst meth="repeat">
+      <a:schemeClr val="accent1"/>
+    </dgm:linClrLst>
+    <dgm:effectClrLst/>
+    <dgm:txLinClrLst/>
+    <dgm:txFillClrLst meth="repeat">
+      <a:schemeClr val="dk1"/>
+    </dgm:txFillClrLst>
+    <dgm:txEffectClrLst/>
+  </dgm:styleLbl>
+  <dgm:styleLbl name="trAlignAcc1">
+    <dgm:fillClrLst meth="repeat">
+      <a:schemeClr val="lt1">
+        <a:alpha val="40000"/>
+      </a:schemeClr>
+    </dgm:fillClrLst>
+    <dgm:linClrLst meth="repeat">
+      <a:schemeClr val="accent1"/>
+    </dgm:linClrLst>
+    <dgm:effectClrLst/>
+    <dgm:txLinClrLst/>
+    <dgm:txFillClrLst meth="repeat">
+      <a:schemeClr val="dk1"/>
+    </dgm:txFillClrLst>
+    <dgm:txEffectClrLst/>
+  </dgm:styleLbl>
+  <dgm:styleLbl name="bgAcc1">
+    <dgm:fillClrLst meth="repeat">
+      <a:schemeClr val="lt1">
+        <a:alpha val="90000"/>
+      </a:schemeClr>
+    </dgm:fillClrLst>
+    <dgm:linClrLst meth="repeat">
+      <a:schemeClr val="accent1"/>
+    </dgm:linClrLst>
+    <dgm:effectClrLst/>
+    <dgm:txLinClrLst/>
+    <dgm:txFillClrLst meth="repeat">
+      <a:schemeClr val="dk1"/>
+    </dgm:txFillClrLst>
+    <dgm:txEffectClrLst/>
+  </dgm:styleLbl>
+  <dgm:styleLbl name="solidFgAcc1">
+    <dgm:fillClrLst meth="repeat">
+      <a:schemeClr val="lt1"/>
+    </dgm:fillClrLst>
+    <dgm:linClrLst meth="repeat">
+      <a:schemeClr val="accent1"/>
+    </dgm:linClrLst>
+    <dgm:effectClrLst/>
+    <dgm:txLinClrLst/>
+    <dgm:txFillClrLst meth="repeat">
+      <a:schemeClr val="dk1"/>
+    </dgm:txFillClrLst>
+    <dgm:txEffectClrLst/>
+  </dgm:styleLbl>
+  <dgm:styleLbl name="solidAlignAcc1">
+    <dgm:fillClrLst meth="repeat">
+      <a:schemeClr val="lt1"/>
+    </dgm:fillClrLst>
+    <dgm:linClrLst meth="repeat">
+      <a:schemeClr val="accent1"/>
+    </dgm:linClrLst>
+    <dgm:effectClrLst/>
+    <dgm:txLinClrLst/>
+    <dgm:txFillClrLst meth="repeat">
+      <a:schemeClr val="dk1"/>
+    </dgm:txFillClrLst>
+    <dgm:txEffectClrLst/>
+  </dgm:styleLbl>
+  <dgm:styleLbl name="solidBgAcc1">
+    <dgm:fillClrLst meth="repeat">
+      <a:schemeClr val="lt1"/>
+    </dgm:fillClrLst>
+    <dgm:linClrLst meth="repeat">
+      <a:schemeClr val="accent1"/>
+    </dgm:linClrLst>
+    <dgm:effectClrLst/>
+    <dgm:txLinClrLst/>
+    <dgm:txFillClrLst meth="repeat">
+      <a:schemeClr val="dk1"/>
+    </dgm:txFillClrLst>
+    <dgm:txEffectClrLst/>
+  </dgm:styleLbl>
+  <dgm:styleLbl name="fgAccFollowNode1">
+    <dgm:fillClrLst meth="repeat">
+      <a:schemeClr val="accent1">
+        <a:alpha val="90000"/>
+        <a:tint val="40000"/>
+      </a:schemeClr>
+    </dgm:fillClrLst>
+    <dgm:linClrLst meth="repeat">
+      <a:schemeClr val="accent1">
+        <a:alpha val="90000"/>
+        <a:tint val="40000"/>
+      </a:schemeClr>
+    </dgm:linClrLst>
+    <dgm:effectClrLst/>
+    <dgm:txLinClrLst/>
+    <dgm:txFillClrLst meth="repeat">
+      <a:schemeClr val="dk1"/>
+    </dgm:txFillClrLst>
+    <dgm:txEffectClrLst/>
+  </dgm:styleLbl>
+  <dgm:styleLbl name="alignAccFollowNode1">
+    <dgm:fillClrLst meth="repeat">
+      <a:schemeClr val="accent1">
+        <a:alpha val="90000"/>
+        <a:tint val="40000"/>
+      </a:schemeClr>
+    </dgm:fillClrLst>
+    <dgm:linClrLst meth="repeat">
+      <a:schemeClr val="accent1">
+        <a:alpha val="90000"/>
+        <a:tint val="40000"/>
+      </a:schemeClr>
+    </dgm:linClrLst>
+    <dgm:effectClrLst/>
+    <dgm:txLinClrLst/>
+    <dgm:txFillClrLst meth="repeat">
+      <a:schemeClr val="dk1"/>
+    </dgm:txFillClrLst>
+    <dgm:txEffectClrLst/>
+  </dgm:styleLbl>
+  <dgm:styleLbl name="bgAccFollowNode1">
+    <dgm:fillClrLst meth="repeat">
+      <a:schemeClr val="accent1">
+        <a:alpha val="90000"/>
+        <a:tint val="40000"/>
+      </a:schemeClr>
+    </dgm:fillClrLst>
+    <dgm:linClrLst meth="repeat">
+      <a:schemeClr val="accent1">
+        <a:alpha val="90000"/>
+        <a:tint val="40000"/>
+      </a:schemeClr>
+    </dgm:linClrLst>
+    <dgm:effectClrLst/>
+    <dgm:txLinClrLst/>
+    <dgm:txFillClrLst meth="repeat">
+      <a:schemeClr val="dk1"/>
+    </dgm:txFillClrLst>
+    <dgm:txEffectClrLst/>
+  </dgm:styleLbl>
+  <dgm:styleLbl name="fgAcc0">
+    <dgm:fillClrLst meth="repeat">
+      <a:schemeClr val="lt1">
+        <a:alpha val="90000"/>
+      </a:schemeClr>
+    </dgm:fillClrLst>
+    <dgm:linClrLst meth="repeat">
+      <a:schemeClr val="accent1"/>
+    </dgm:linClrLst>
+    <dgm:effectClrLst/>
+    <dgm:txLinClrLst/>
+    <dgm:txFillClrLst meth="repeat">
+      <a:schemeClr val="dk1"/>
+    </dgm:txFillClrLst>
+    <dgm:txEffectClrLst/>
+  </dgm:styleLbl>
+  <dgm:styleLbl name="fgAcc2">
+    <dgm:fillClrLst meth="repeat">
+      <a:schemeClr val="lt1">
+        <a:alpha val="90000"/>
+      </a:schemeClr>
+    </dgm:fillClrLst>
+    <dgm:linClrLst meth="repeat">
+      <a:schemeClr val="accent1"/>
+    </dgm:linClrLst>
+    <dgm:effectClrLst/>
+    <dgm:txLinClrLst/>
+    <dgm:txFillClrLst meth="repeat">
+      <a:schemeClr val="dk1"/>
+    </dgm:txFillClrLst>
+    <dgm:txEffectClrLst/>
+  </dgm:styleLbl>
+  <dgm:styleLbl name="fgAcc3">
+    <dgm:fillClrLst meth="repeat">
+      <a:schemeClr val="lt1">
+        <a:alpha val="90000"/>
+      </a:schemeClr>
+    </dgm:fillClrLst>
+    <dgm:linClrLst meth="repeat">
+      <a:schemeClr val="accent1"/>
+    </dgm:linClrLst>
+    <dgm:effectClrLst/>
+    <dgm:txLinClrLst/>
+    <dgm:txFillClrLst meth="repeat">
+      <a:schemeClr val="dk1"/>
+    </dgm:txFillClrLst>
+    <dgm:txEffectClrLst/>
+  </dgm:styleLbl>
+  <dgm:styleLbl name="fgAcc4">
+    <dgm:fillClrLst meth="repeat">
+      <a:schemeClr val="lt1">
+        <a:alpha val="90000"/>
+      </a:schemeClr>
+    </dgm:fillClrLst>
+    <dgm:linClrLst meth="repeat">
+      <a:schemeClr val="accent1"/>
+    </dgm:linClrLst>
+    <dgm:effectClrLst/>
+    <dgm:txLinClrLst/>
+    <dgm:txFillClrLst meth="repeat">
+      <a:schemeClr val="dk1"/>
+    </dgm:txFillClrLst>
+    <dgm:txEffectClrLst/>
+  </dgm:styleLbl>
+  <dgm:styleLbl name="bgShp">
+    <dgm:fillClrLst meth="repeat">
+      <a:schemeClr val="accent1">
+        <a:tint val="40000"/>
+      </a:schemeClr>
+    </dgm:fillClrLst>
+    <dgm:linClrLst meth="repeat">
+      <a:schemeClr val="accent1"/>
+    </dgm:linClrLst>
+    <dgm:effectClrLst/>
+    <dgm:txLinClrLst/>
+    <dgm:txFillClrLst meth="repeat">
+      <a:schemeClr val="dk1"/>
+    </dgm:txFillClrLst>
+    <dgm:txEffectClrLst/>
+  </dgm:styleLbl>
+  <dgm:styleLbl name="dkBgShp">
+    <dgm:fillClrLst meth="repeat">
+      <a:schemeClr val="accent1">
+        <a:shade val="80000"/>
+      </a:schemeClr>
+    </dgm:fillClrLst>
+    <dgm:linClrLst meth="repeat">
+      <a:schemeClr val="accent1"/>
+    </dgm:linClrLst>
+    <dgm:effectClrLst/>
+    <dgm:txLinClrLst/>
+    <dgm:txFillClrLst meth="repeat">
+      <a:schemeClr val="lt1"/>
+    </dgm:txFillClrLst>
+    <dgm:txEffectClrLst/>
+  </dgm:styleLbl>
+  <dgm:styleLbl name="trBgShp">
+    <dgm:fillClrLst meth="repeat">
+      <a:schemeClr val="accent1">
+        <a:tint val="50000"/>
+        <a:alpha val="40000"/>
+      </a:schemeClr>
+    </dgm:fillClrLst>
+    <dgm:linClrLst meth="repeat">
+      <a:schemeClr val="accent1"/>
+    </dgm:linClrLst>
+    <dgm:effectClrLst/>
+    <dgm:txLinClrLst/>
+    <dgm:txFillClrLst meth="repeat">
+      <a:schemeClr val="lt1"/>
+    </dgm:txFillClrLst>
+    <dgm:txEffectClrLst/>
+  </dgm:styleLbl>
+  <dgm:styleLbl name="fgShp">
+    <dgm:fillClrLst meth="repeat">
+      <a:schemeClr val="accent1">
+        <a:tint val="60000"/>
+      </a:schemeClr>
+    </dgm:fillClrLst>
+    <dgm:linClrLst meth="repeat">
+      <a:schemeClr val="lt1"/>
+    </dgm:linClrLst>
+    <dgm:effectClrLst/>
+    <dgm:txLinClrLst/>
+    <dgm:txFillClrLst meth="repeat">
+      <a:schemeClr val="dk1"/>
+    </dgm:txFillClrLst>
+    <dgm:txEffectClrLst/>
+  </dgm:styleLbl>
+  <dgm:styleLbl name="revTx">
+    <dgm:fillClrLst meth="repeat">
+      <a:schemeClr val="lt1">
+        <a:alpha val="0"/>
+      </a:schemeClr>
+    </dgm:fillClrLst>
+    <dgm:linClrLst meth="repeat">
+      <a:schemeClr val="dk1">
+        <a:alpha val="0"/>
+      </a:schemeClr>
+    </dgm:linClrLst>
+    <dgm:effectClrLst/>
+    <dgm:txLinClrLst/>
+    <dgm:txFillClrLst meth="repeat">
+      <a:schemeClr val="tx1"/>
+    </dgm:txFillClrLst>
+    <dgm:txEffectClrLst/>
+  </dgm:styleLbl>
+</dgm:colorsDef>
+</file>
+
+<file path=ppt/diagrams/colors5.xml><?xml version="1.0" encoding="utf-8"?>
 <dgm:colorsDef xmlns:dgm="http://schemas.openxmlformats.org/drawingml/2006/diagram" xmlns:a="http://schemas.openxmlformats.org/drawingml/2006/main" uniqueId="urn:microsoft.com/office/officeart/2005/8/colors/accent1_2">
   <dgm:title val=""/>
   <dgm:desc val=""/>
@@ -4140,12 +4887,8 @@
         <a:lstStyle/>
         <a:p>
           <a:r>
-            <a:rPr lang="en-US" dirty="0" err="1" smtClean="0"/>
-            <a:t>Scarse</a:t>
-          </a:r>
-          <a:r>
             <a:rPr lang="en-US" dirty="0" smtClean="0"/>
-            <a:t> documentation (apart from Microsoft stuff)</a:t>
+            <a:t>Scarce documentation (apart from Microsoft stuff)</a:t>
           </a:r>
           <a:endParaRPr lang="en-US" dirty="0"/>
         </a:p>
@@ -4310,9 +5053,9 @@
     <dgm:cxn modelId="{4BEDB43B-0955-4D9C-BFB7-BAC60E7BD28F}" srcId="{381EFFA4-FE40-450B-96B9-1DBB2553445B}" destId="{5D82481F-3914-42BE-B9B9-A31ACD1192FC}" srcOrd="1" destOrd="0" parTransId="{809FE929-E760-4E4F-B79D-DCE68A5BF964}" sibTransId="{CA0F4FA6-A613-4A12-9A06-07226EB36092}"/>
     <dgm:cxn modelId="{E3A42B84-10CF-431D-B115-D350FFA22F06}" srcId="{F83B34E6-2CF0-48A7-B592-3B4046E393CF}" destId="{2B97B915-9147-4D5C-B292-46918AA97303}" srcOrd="5" destOrd="0" parTransId="{3D23A046-21C8-40B3-BE0D-0115E1F58186}" sibTransId="{A354E93A-4CFD-4857-A48A-25D83E11DBC6}"/>
     <dgm:cxn modelId="{325BC383-CFED-45F9-84AE-7B77596DA371}" srcId="{F83B34E6-2CF0-48A7-B592-3B4046E393CF}" destId="{489EA911-A6A8-4CE2-801E-2CA2EC051854}" srcOrd="3" destOrd="0" parTransId="{CB3B6817-9695-4005-B586-F4C348BFDACC}" sibTransId="{B2FBC430-FF00-4058-9894-9D1AF4F5A951}"/>
-    <dgm:cxn modelId="{AAC8A958-85B7-4173-B9A7-C7FB4536FAE1}" srcId="{F83B34E6-2CF0-48A7-B592-3B4046E393CF}" destId="{CF8A4034-4450-4D3A-B4A6-DCCF32184EC5}" srcOrd="2" destOrd="0" parTransId="{D2EEF935-2062-42B4-AA00-15064D4BAC92}" sibTransId="{9C21DBDC-D399-418B-8CC0-BDD11C61CFCF}"/>
     <dgm:cxn modelId="{D50E074E-A4CE-4D08-AC9E-E8CB10E80942}" type="presOf" srcId="{16DC9904-C6D1-429C-807F-9B303FE8DD72}" destId="{FF0124D1-2A53-4B8B-B8CB-433F7F20285F}" srcOrd="0" destOrd="1" presId="urn:microsoft.com/office/officeart/2005/8/layout/hList1"/>
     <dgm:cxn modelId="{E9765B21-E48D-42D8-9286-82BC2BCBFFD8}" srcId="{5D82481F-3914-42BE-B9B9-A31ACD1192FC}" destId="{730957B8-CA2B-492B-AD89-339DE32DC72E}" srcOrd="0" destOrd="0" parTransId="{25552C21-6ED4-4504-8F89-62EAA816FDA1}" sibTransId="{8E3BCEA8-106E-4B0B-8A99-1677C8A94D52}"/>
+    <dgm:cxn modelId="{AAC8A958-85B7-4173-B9A7-C7FB4536FAE1}" srcId="{F83B34E6-2CF0-48A7-B592-3B4046E393CF}" destId="{CF8A4034-4450-4D3A-B4A6-DCCF32184EC5}" srcOrd="2" destOrd="0" parTransId="{D2EEF935-2062-42B4-AA00-15064D4BAC92}" sibTransId="{9C21DBDC-D399-418B-8CC0-BDD11C61CFCF}"/>
     <dgm:cxn modelId="{AFBA3C0A-9179-4172-93C0-EABFC30873E1}" type="presOf" srcId="{D5470E12-4E97-40CF-BD40-28CF8A448A63}" destId="{2F20CB85-46C3-40A7-B195-85F1B800D676}" srcOrd="0" destOrd="2" presId="urn:microsoft.com/office/officeart/2005/8/layout/hList1"/>
     <dgm:cxn modelId="{87752407-5D0D-408E-B338-D4E3DC173184}" type="presOf" srcId="{3C389220-3447-4055-AE53-E21FFB00807A}" destId="{FF0124D1-2A53-4B8B-B8CB-433F7F20285F}" srcOrd="0" destOrd="0" presId="urn:microsoft.com/office/officeart/2005/8/layout/hList1"/>
     <dgm:cxn modelId="{89FFDCE6-9250-4972-BF24-EB18D8862EE7}" type="presOf" srcId="{C78B6FE6-ABA9-4430-BBDE-493FB7FC4E3E}" destId="{FF0124D1-2A53-4B8B-B8CB-433F7F20285F}" srcOrd="0" destOrd="4" presId="urn:microsoft.com/office/officeart/2005/8/layout/hList1"/>
@@ -4345,6 +5088,549 @@
   <dgm:extLst>
     <a:ext uri="http://schemas.microsoft.com/office/drawing/2008/diagram">
       <dsp:dataModelExt xmlns:dsp="http://schemas.microsoft.com/office/drawing/2008/diagram" relId="rId11" minVer="http://schemas.openxmlformats.org/drawingml/2006/diagram"/>
+    </a:ext>
+  </dgm:extLst>
+</dgm:dataModel>
+</file>
+
+<file path=ppt/diagrams/data5.xml><?xml version="1.0" encoding="utf-8"?>
+<dgm:dataModel xmlns:dgm="http://schemas.openxmlformats.org/drawingml/2006/diagram" xmlns:a="http://schemas.openxmlformats.org/drawingml/2006/main">
+  <dgm:ptLst>
+    <dgm:pt modelId="{3DDE196B-462C-44F0-A9F5-8E19E4F48ED5}" type="doc">
+      <dgm:prSet loTypeId="urn:microsoft.com/office/officeart/2005/8/layout/hProcess4" loCatId="process" qsTypeId="urn:microsoft.com/office/officeart/2005/8/quickstyle/simple1" qsCatId="simple" csTypeId="urn:microsoft.com/office/officeart/2005/8/colors/accent1_2" csCatId="accent1" phldr="1"/>
+      <dgm:spPr/>
+    </dgm:pt>
+    <dgm:pt modelId="{CF0C0876-AA19-41AE-90DD-3E20BD232417}">
+      <dgm:prSet phldrT="[Text]"/>
+      <dgm:spPr/>
+      <dgm:t>
+        <a:bodyPr/>
+        <a:lstStyle/>
+        <a:p>
+          <a:r>
+            <a:rPr lang="en-US" dirty="0" smtClean="0"/>
+            <a:t>Portal</a:t>
+          </a:r>
+          <a:endParaRPr lang="en-US" dirty="0"/>
+        </a:p>
+      </dgm:t>
+    </dgm:pt>
+    <dgm:pt modelId="{9B18C7A9-598B-4F99-95B4-3F401974AF97}" type="parTrans" cxnId="{897177CE-2C7A-4D1F-93AB-EA1962121437}">
+      <dgm:prSet/>
+      <dgm:spPr/>
+      <dgm:t>
+        <a:bodyPr/>
+        <a:lstStyle/>
+        <a:p>
+          <a:endParaRPr lang="en-US"/>
+        </a:p>
+      </dgm:t>
+    </dgm:pt>
+    <dgm:pt modelId="{F821D911-15F3-44AB-ADE2-CEC0C61D4313}" type="sibTrans" cxnId="{897177CE-2C7A-4D1F-93AB-EA1962121437}">
+      <dgm:prSet/>
+      <dgm:spPr/>
+      <dgm:t>
+        <a:bodyPr/>
+        <a:lstStyle/>
+        <a:p>
+          <a:endParaRPr lang="en-US"/>
+        </a:p>
+      </dgm:t>
+    </dgm:pt>
+    <dgm:pt modelId="{038F8633-F781-4F05-86AC-0D623C7709EA}">
+      <dgm:prSet phldrT="[Text]"/>
+      <dgm:spPr/>
+      <dgm:t>
+        <a:bodyPr/>
+        <a:lstStyle/>
+        <a:p>
+          <a:r>
+            <a:rPr lang="en-US" dirty="0" err="1" smtClean="0"/>
+            <a:t>ArmClient</a:t>
+          </a:r>
+          <a:endParaRPr lang="en-US" dirty="0"/>
+        </a:p>
+      </dgm:t>
+    </dgm:pt>
+    <dgm:pt modelId="{38788388-7FD6-43EB-9C0B-AE910FC13BF9}" type="parTrans" cxnId="{5AB0AC57-33A3-41B3-975E-47B4348D3628}">
+      <dgm:prSet/>
+      <dgm:spPr/>
+      <dgm:t>
+        <a:bodyPr/>
+        <a:lstStyle/>
+        <a:p>
+          <a:endParaRPr lang="en-US"/>
+        </a:p>
+      </dgm:t>
+    </dgm:pt>
+    <dgm:pt modelId="{697F5727-2227-4EFC-953F-594428A9560E}" type="sibTrans" cxnId="{5AB0AC57-33A3-41B3-975E-47B4348D3628}">
+      <dgm:prSet/>
+      <dgm:spPr/>
+      <dgm:t>
+        <a:bodyPr/>
+        <a:lstStyle/>
+        <a:p>
+          <a:endParaRPr lang="en-US"/>
+        </a:p>
+      </dgm:t>
+    </dgm:pt>
+    <dgm:pt modelId="{BBA14176-32EF-470D-9074-CDE2390D782D}">
+      <dgm:prSet phldrT="[Text]"/>
+      <dgm:spPr/>
+      <dgm:t>
+        <a:bodyPr/>
+        <a:lstStyle/>
+        <a:p>
+          <a:r>
+            <a:rPr lang="en-US" dirty="0" err="1" smtClean="0"/>
+            <a:t>RestApi</a:t>
+          </a:r>
+          <a:endParaRPr lang="en-US" dirty="0"/>
+        </a:p>
+      </dgm:t>
+    </dgm:pt>
+    <dgm:pt modelId="{2545BCD4-AE52-42D5-891D-8DABB81111E6}" type="parTrans" cxnId="{7EDCE091-E960-4EB8-A81A-84C13D36A003}">
+      <dgm:prSet/>
+      <dgm:spPr/>
+      <dgm:t>
+        <a:bodyPr/>
+        <a:lstStyle/>
+        <a:p>
+          <a:endParaRPr lang="en-US"/>
+        </a:p>
+      </dgm:t>
+    </dgm:pt>
+    <dgm:pt modelId="{3AEF6B74-2097-4BD7-85FF-9FAEF726637C}" type="sibTrans" cxnId="{7EDCE091-E960-4EB8-A81A-84C13D36A003}">
+      <dgm:prSet/>
+      <dgm:spPr/>
+      <dgm:t>
+        <a:bodyPr/>
+        <a:lstStyle/>
+        <a:p>
+          <a:endParaRPr lang="en-US"/>
+        </a:p>
+      </dgm:t>
+    </dgm:pt>
+    <dgm:pt modelId="{C08D5243-AD97-4ADF-946E-D2F6164246A9}">
+      <dgm:prSet phldrT="[Text]"/>
+      <dgm:spPr/>
+      <dgm:t>
+        <a:bodyPr/>
+        <a:lstStyle/>
+        <a:p>
+          <a:r>
+            <a:rPr lang="en-US" dirty="0" err="1" smtClean="0"/>
+            <a:t>Powershell</a:t>
+          </a:r>
+          <a:endParaRPr lang="en-US" dirty="0"/>
+        </a:p>
+      </dgm:t>
+    </dgm:pt>
+    <dgm:pt modelId="{F564033F-A301-42CB-845A-204B42743F19}" type="parTrans" cxnId="{BBFC7ACF-53C9-4339-9A0E-64B89DF6D893}">
+      <dgm:prSet/>
+      <dgm:spPr/>
+      <dgm:t>
+        <a:bodyPr/>
+        <a:lstStyle/>
+        <a:p>
+          <a:endParaRPr lang="en-US"/>
+        </a:p>
+      </dgm:t>
+    </dgm:pt>
+    <dgm:pt modelId="{A8737532-7B15-45DF-AC0F-FDFC83299351}" type="sibTrans" cxnId="{BBFC7ACF-53C9-4339-9A0E-64B89DF6D893}">
+      <dgm:prSet/>
+      <dgm:spPr/>
+      <dgm:t>
+        <a:bodyPr/>
+        <a:lstStyle/>
+        <a:p>
+          <a:endParaRPr lang="en-US"/>
+        </a:p>
+      </dgm:t>
+    </dgm:pt>
+    <dgm:pt modelId="{19A6BBFE-ABDB-467F-9725-D73BC432C207}">
+      <dgm:prSet phldrT="[Text]"/>
+      <dgm:spPr/>
+      <dgm:t>
+        <a:bodyPr/>
+        <a:lstStyle/>
+        <a:p>
+          <a:r>
+            <a:rPr lang="en-US" dirty="0" smtClean="0"/>
+            <a:t>Templates</a:t>
+          </a:r>
+          <a:endParaRPr lang="en-US" dirty="0"/>
+        </a:p>
+      </dgm:t>
+    </dgm:pt>
+    <dgm:pt modelId="{94579E15-C00E-4D63-A80C-920871FD639D}" type="parTrans" cxnId="{7586ED32-5111-4BE4-A950-B967924C64FA}">
+      <dgm:prSet/>
+      <dgm:spPr/>
+      <dgm:t>
+        <a:bodyPr/>
+        <a:lstStyle/>
+        <a:p>
+          <a:endParaRPr lang="en-US"/>
+        </a:p>
+      </dgm:t>
+    </dgm:pt>
+    <dgm:pt modelId="{E99D3538-1659-4694-83E7-F6EE89F40C54}" type="sibTrans" cxnId="{7586ED32-5111-4BE4-A950-B967924C64FA}">
+      <dgm:prSet/>
+      <dgm:spPr/>
+      <dgm:t>
+        <a:bodyPr/>
+        <a:lstStyle/>
+        <a:p>
+          <a:endParaRPr lang="en-US"/>
+        </a:p>
+      </dgm:t>
+    </dgm:pt>
+    <dgm:pt modelId="{09D317C2-2A9B-4173-89B7-142F2E1548C3}" type="pres">
+      <dgm:prSet presAssocID="{3DDE196B-462C-44F0-A9F5-8E19E4F48ED5}" presName="Name0" presStyleCnt="0">
+        <dgm:presLayoutVars>
+          <dgm:dir/>
+          <dgm:animLvl val="lvl"/>
+          <dgm:resizeHandles val="exact"/>
+        </dgm:presLayoutVars>
+      </dgm:prSet>
+      <dgm:spPr/>
+    </dgm:pt>
+    <dgm:pt modelId="{C74E80C9-A294-4C45-BFA6-D97567425EEC}" type="pres">
+      <dgm:prSet presAssocID="{3DDE196B-462C-44F0-A9F5-8E19E4F48ED5}" presName="tSp" presStyleCnt="0"/>
+      <dgm:spPr/>
+    </dgm:pt>
+    <dgm:pt modelId="{EF97E821-5D02-4ECF-9329-32CED9CD1AC1}" type="pres">
+      <dgm:prSet presAssocID="{3DDE196B-462C-44F0-A9F5-8E19E4F48ED5}" presName="bSp" presStyleCnt="0"/>
+      <dgm:spPr/>
+    </dgm:pt>
+    <dgm:pt modelId="{73AAC873-46AC-48F0-9684-732C06AE98C2}" type="pres">
+      <dgm:prSet presAssocID="{3DDE196B-462C-44F0-A9F5-8E19E4F48ED5}" presName="process" presStyleCnt="0"/>
+      <dgm:spPr/>
+    </dgm:pt>
+    <dgm:pt modelId="{82322CC5-F882-4CF9-BEBD-42855EA1AF14}" type="pres">
+      <dgm:prSet presAssocID="{CF0C0876-AA19-41AE-90DD-3E20BD232417}" presName="composite1" presStyleCnt="0"/>
+      <dgm:spPr/>
+    </dgm:pt>
+    <dgm:pt modelId="{C9051855-A9BF-407D-91C3-FFBA7DD39340}" type="pres">
+      <dgm:prSet presAssocID="{CF0C0876-AA19-41AE-90DD-3E20BD232417}" presName="dummyNode1" presStyleLbl="node1" presStyleIdx="0" presStyleCnt="5"/>
+      <dgm:spPr/>
+    </dgm:pt>
+    <dgm:pt modelId="{443B6996-DDF8-4195-8CBE-F49A2D1F015D}" type="pres">
+      <dgm:prSet presAssocID="{CF0C0876-AA19-41AE-90DD-3E20BD232417}" presName="childNode1" presStyleLbl="bgAcc1" presStyleIdx="0" presStyleCnt="5">
+        <dgm:presLayoutVars>
+          <dgm:bulletEnabled val="1"/>
+        </dgm:presLayoutVars>
+      </dgm:prSet>
+      <dgm:spPr/>
+    </dgm:pt>
+    <dgm:pt modelId="{54667F3D-93F2-437A-A9F8-B0B72ED8B2BC}" type="pres">
+      <dgm:prSet presAssocID="{CF0C0876-AA19-41AE-90DD-3E20BD232417}" presName="childNode1tx" presStyleLbl="bgAcc1" presStyleIdx="0" presStyleCnt="5">
+        <dgm:presLayoutVars>
+          <dgm:bulletEnabled val="1"/>
+        </dgm:presLayoutVars>
+      </dgm:prSet>
+      <dgm:spPr/>
+    </dgm:pt>
+    <dgm:pt modelId="{11FB8A23-854F-4D45-A912-BEE49A0CD1FD}" type="pres">
+      <dgm:prSet presAssocID="{CF0C0876-AA19-41AE-90DD-3E20BD232417}" presName="parentNode1" presStyleLbl="node1" presStyleIdx="0" presStyleCnt="5">
+        <dgm:presLayoutVars>
+          <dgm:chMax val="1"/>
+          <dgm:bulletEnabled val="1"/>
+        </dgm:presLayoutVars>
+      </dgm:prSet>
+      <dgm:spPr/>
+      <dgm:t>
+        <a:bodyPr/>
+        <a:lstStyle/>
+        <a:p>
+          <a:endParaRPr lang="en-US"/>
+        </a:p>
+      </dgm:t>
+    </dgm:pt>
+    <dgm:pt modelId="{7D342F89-D568-46D9-BDC4-B40B159FE6F4}" type="pres">
+      <dgm:prSet presAssocID="{CF0C0876-AA19-41AE-90DD-3E20BD232417}" presName="connSite1" presStyleCnt="0"/>
+      <dgm:spPr/>
+    </dgm:pt>
+    <dgm:pt modelId="{3576BD70-47E7-448C-B1BC-2C517445EC09}" type="pres">
+      <dgm:prSet presAssocID="{F821D911-15F3-44AB-ADE2-CEC0C61D4313}" presName="Name9" presStyleLbl="sibTrans2D1" presStyleIdx="0" presStyleCnt="4"/>
+      <dgm:spPr/>
+      <dgm:t>
+        <a:bodyPr/>
+        <a:lstStyle/>
+        <a:p>
+          <a:endParaRPr lang="en-US"/>
+        </a:p>
+      </dgm:t>
+    </dgm:pt>
+    <dgm:pt modelId="{5BDB1FDD-379B-44CC-8307-F86CB57077AA}" type="pres">
+      <dgm:prSet presAssocID="{038F8633-F781-4F05-86AC-0D623C7709EA}" presName="composite2" presStyleCnt="0"/>
+      <dgm:spPr/>
+    </dgm:pt>
+    <dgm:pt modelId="{818B1764-8A29-4610-9DCD-0E685648AB4F}" type="pres">
+      <dgm:prSet presAssocID="{038F8633-F781-4F05-86AC-0D623C7709EA}" presName="dummyNode2" presStyleLbl="node1" presStyleIdx="0" presStyleCnt="5"/>
+      <dgm:spPr/>
+    </dgm:pt>
+    <dgm:pt modelId="{42A6C145-84E5-4C43-92CC-7BB2272535E2}" type="pres">
+      <dgm:prSet presAssocID="{038F8633-F781-4F05-86AC-0D623C7709EA}" presName="childNode2" presStyleLbl="bgAcc1" presStyleIdx="1" presStyleCnt="5">
+        <dgm:presLayoutVars>
+          <dgm:bulletEnabled val="1"/>
+        </dgm:presLayoutVars>
+      </dgm:prSet>
+      <dgm:spPr/>
+    </dgm:pt>
+    <dgm:pt modelId="{C78B6856-D11A-4A88-A83A-8E2E88170A77}" type="pres">
+      <dgm:prSet presAssocID="{038F8633-F781-4F05-86AC-0D623C7709EA}" presName="childNode2tx" presStyleLbl="bgAcc1" presStyleIdx="1" presStyleCnt="5">
+        <dgm:presLayoutVars>
+          <dgm:bulletEnabled val="1"/>
+        </dgm:presLayoutVars>
+      </dgm:prSet>
+      <dgm:spPr/>
+    </dgm:pt>
+    <dgm:pt modelId="{0BA93FBD-E51D-49CE-B1C2-BD55820F75AF}" type="pres">
+      <dgm:prSet presAssocID="{038F8633-F781-4F05-86AC-0D623C7709EA}" presName="parentNode2" presStyleLbl="node1" presStyleIdx="1" presStyleCnt="5">
+        <dgm:presLayoutVars>
+          <dgm:chMax val="0"/>
+          <dgm:bulletEnabled val="1"/>
+        </dgm:presLayoutVars>
+      </dgm:prSet>
+      <dgm:spPr/>
+      <dgm:t>
+        <a:bodyPr/>
+        <a:lstStyle/>
+        <a:p>
+          <a:endParaRPr lang="en-US"/>
+        </a:p>
+      </dgm:t>
+    </dgm:pt>
+    <dgm:pt modelId="{49766045-3D6B-4723-A358-626754294B41}" type="pres">
+      <dgm:prSet presAssocID="{038F8633-F781-4F05-86AC-0D623C7709EA}" presName="connSite2" presStyleCnt="0"/>
+      <dgm:spPr/>
+    </dgm:pt>
+    <dgm:pt modelId="{C26CC788-C811-4A49-BB9E-8C109E4DA220}" type="pres">
+      <dgm:prSet presAssocID="{697F5727-2227-4EFC-953F-594428A9560E}" presName="Name18" presStyleLbl="sibTrans2D1" presStyleIdx="1" presStyleCnt="4"/>
+      <dgm:spPr/>
+      <dgm:t>
+        <a:bodyPr/>
+        <a:lstStyle/>
+        <a:p>
+          <a:endParaRPr lang="en-US"/>
+        </a:p>
+      </dgm:t>
+    </dgm:pt>
+    <dgm:pt modelId="{B94C6C01-3DB9-4DB5-9BD8-20E8C3014161}" type="pres">
+      <dgm:prSet presAssocID="{BBA14176-32EF-470D-9074-CDE2390D782D}" presName="composite1" presStyleCnt="0"/>
+      <dgm:spPr/>
+    </dgm:pt>
+    <dgm:pt modelId="{7D122A58-4302-4CA5-BEE3-2FA98DBDBA30}" type="pres">
+      <dgm:prSet presAssocID="{BBA14176-32EF-470D-9074-CDE2390D782D}" presName="dummyNode1" presStyleLbl="node1" presStyleIdx="1" presStyleCnt="5"/>
+      <dgm:spPr/>
+    </dgm:pt>
+    <dgm:pt modelId="{191C748F-E20B-48F4-8906-D92A810296CD}" type="pres">
+      <dgm:prSet presAssocID="{BBA14176-32EF-470D-9074-CDE2390D782D}" presName="childNode1" presStyleLbl="bgAcc1" presStyleIdx="2" presStyleCnt="5">
+        <dgm:presLayoutVars>
+          <dgm:bulletEnabled val="1"/>
+        </dgm:presLayoutVars>
+      </dgm:prSet>
+      <dgm:spPr/>
+    </dgm:pt>
+    <dgm:pt modelId="{4A204E0F-97CF-49E5-8D3B-2B750697FA3A}" type="pres">
+      <dgm:prSet presAssocID="{BBA14176-32EF-470D-9074-CDE2390D782D}" presName="childNode1tx" presStyleLbl="bgAcc1" presStyleIdx="2" presStyleCnt="5">
+        <dgm:presLayoutVars>
+          <dgm:bulletEnabled val="1"/>
+        </dgm:presLayoutVars>
+      </dgm:prSet>
+      <dgm:spPr/>
+    </dgm:pt>
+    <dgm:pt modelId="{EFC72D5A-DE52-47E3-A925-4915219F01D3}" type="pres">
+      <dgm:prSet presAssocID="{BBA14176-32EF-470D-9074-CDE2390D782D}" presName="parentNode1" presStyleLbl="node1" presStyleIdx="2" presStyleCnt="5">
+        <dgm:presLayoutVars>
+          <dgm:chMax val="1"/>
+          <dgm:bulletEnabled val="1"/>
+        </dgm:presLayoutVars>
+      </dgm:prSet>
+      <dgm:spPr/>
+      <dgm:t>
+        <a:bodyPr/>
+        <a:lstStyle/>
+        <a:p>
+          <a:endParaRPr lang="en-US"/>
+        </a:p>
+      </dgm:t>
+    </dgm:pt>
+    <dgm:pt modelId="{6E86AD06-5B94-4A36-B834-9ADD46E7E38B}" type="pres">
+      <dgm:prSet presAssocID="{BBA14176-32EF-470D-9074-CDE2390D782D}" presName="connSite1" presStyleCnt="0"/>
+      <dgm:spPr/>
+    </dgm:pt>
+    <dgm:pt modelId="{AF8A0610-288A-47CF-BBE4-E536C5DA873E}" type="pres">
+      <dgm:prSet presAssocID="{3AEF6B74-2097-4BD7-85FF-9FAEF726637C}" presName="Name9" presStyleLbl="sibTrans2D1" presStyleIdx="2" presStyleCnt="4"/>
+      <dgm:spPr/>
+      <dgm:t>
+        <a:bodyPr/>
+        <a:lstStyle/>
+        <a:p>
+          <a:endParaRPr lang="en-US"/>
+        </a:p>
+      </dgm:t>
+    </dgm:pt>
+    <dgm:pt modelId="{BE0E7CC0-11D6-429B-8C92-71A9C18D7B23}" type="pres">
+      <dgm:prSet presAssocID="{C08D5243-AD97-4ADF-946E-D2F6164246A9}" presName="composite2" presStyleCnt="0"/>
+      <dgm:spPr/>
+    </dgm:pt>
+    <dgm:pt modelId="{98631E99-CCE8-4411-BBF2-6E12864FDD35}" type="pres">
+      <dgm:prSet presAssocID="{C08D5243-AD97-4ADF-946E-D2F6164246A9}" presName="dummyNode2" presStyleLbl="node1" presStyleIdx="2" presStyleCnt="5"/>
+      <dgm:spPr/>
+    </dgm:pt>
+    <dgm:pt modelId="{C0AD3582-9DCE-420B-81F3-443F36B74C34}" type="pres">
+      <dgm:prSet presAssocID="{C08D5243-AD97-4ADF-946E-D2F6164246A9}" presName="childNode2" presStyleLbl="bgAcc1" presStyleIdx="3" presStyleCnt="5">
+        <dgm:presLayoutVars>
+          <dgm:bulletEnabled val="1"/>
+        </dgm:presLayoutVars>
+      </dgm:prSet>
+      <dgm:spPr/>
+    </dgm:pt>
+    <dgm:pt modelId="{405D9844-88E2-413E-8586-916B22A65082}" type="pres">
+      <dgm:prSet presAssocID="{C08D5243-AD97-4ADF-946E-D2F6164246A9}" presName="childNode2tx" presStyleLbl="bgAcc1" presStyleIdx="3" presStyleCnt="5">
+        <dgm:presLayoutVars>
+          <dgm:bulletEnabled val="1"/>
+        </dgm:presLayoutVars>
+      </dgm:prSet>
+      <dgm:spPr/>
+    </dgm:pt>
+    <dgm:pt modelId="{24D6E799-897B-4A08-89CB-BB777AB3A7A5}" type="pres">
+      <dgm:prSet presAssocID="{C08D5243-AD97-4ADF-946E-D2F6164246A9}" presName="parentNode2" presStyleLbl="node1" presStyleIdx="3" presStyleCnt="5">
+        <dgm:presLayoutVars>
+          <dgm:chMax val="0"/>
+          <dgm:bulletEnabled val="1"/>
+        </dgm:presLayoutVars>
+      </dgm:prSet>
+      <dgm:spPr/>
+      <dgm:t>
+        <a:bodyPr/>
+        <a:lstStyle/>
+        <a:p>
+          <a:endParaRPr lang="en-US"/>
+        </a:p>
+      </dgm:t>
+    </dgm:pt>
+    <dgm:pt modelId="{70FCE6A5-999D-4369-ADBD-62EF1B940E98}" type="pres">
+      <dgm:prSet presAssocID="{C08D5243-AD97-4ADF-946E-D2F6164246A9}" presName="connSite2" presStyleCnt="0"/>
+      <dgm:spPr/>
+    </dgm:pt>
+    <dgm:pt modelId="{DBE51BA5-F6EA-49B5-A6C4-26C69EA6F5D7}" type="pres">
+      <dgm:prSet presAssocID="{A8737532-7B15-45DF-AC0F-FDFC83299351}" presName="Name18" presStyleLbl="sibTrans2D1" presStyleIdx="3" presStyleCnt="4"/>
+      <dgm:spPr/>
+      <dgm:t>
+        <a:bodyPr/>
+        <a:lstStyle/>
+        <a:p>
+          <a:endParaRPr lang="en-US"/>
+        </a:p>
+      </dgm:t>
+    </dgm:pt>
+    <dgm:pt modelId="{DD3BA11D-7716-49E2-B289-22913B74B8BC}" type="pres">
+      <dgm:prSet presAssocID="{19A6BBFE-ABDB-467F-9725-D73BC432C207}" presName="composite1" presStyleCnt="0"/>
+      <dgm:spPr/>
+    </dgm:pt>
+    <dgm:pt modelId="{29A3581E-37E7-4349-B667-2A9086674BDC}" type="pres">
+      <dgm:prSet presAssocID="{19A6BBFE-ABDB-467F-9725-D73BC432C207}" presName="dummyNode1" presStyleLbl="node1" presStyleIdx="3" presStyleCnt="5"/>
+      <dgm:spPr/>
+    </dgm:pt>
+    <dgm:pt modelId="{97D3A342-D8A7-438C-A7B6-C1CD1611F69A}" type="pres">
+      <dgm:prSet presAssocID="{19A6BBFE-ABDB-467F-9725-D73BC432C207}" presName="childNode1" presStyleLbl="bgAcc1" presStyleIdx="4" presStyleCnt="5">
+        <dgm:presLayoutVars>
+          <dgm:bulletEnabled val="1"/>
+        </dgm:presLayoutVars>
+      </dgm:prSet>
+      <dgm:spPr/>
+    </dgm:pt>
+    <dgm:pt modelId="{E475C2B7-E48A-43A2-946B-A99185095086}" type="pres">
+      <dgm:prSet presAssocID="{19A6BBFE-ABDB-467F-9725-D73BC432C207}" presName="childNode1tx" presStyleLbl="bgAcc1" presStyleIdx="4" presStyleCnt="5">
+        <dgm:presLayoutVars>
+          <dgm:bulletEnabled val="1"/>
+        </dgm:presLayoutVars>
+      </dgm:prSet>
+      <dgm:spPr/>
+    </dgm:pt>
+    <dgm:pt modelId="{1FA8D1C6-EBF4-47FE-A2AE-BF4DD8941BF6}" type="pres">
+      <dgm:prSet presAssocID="{19A6BBFE-ABDB-467F-9725-D73BC432C207}" presName="parentNode1" presStyleLbl="node1" presStyleIdx="4" presStyleCnt="5">
+        <dgm:presLayoutVars>
+          <dgm:chMax val="1"/>
+          <dgm:bulletEnabled val="1"/>
+        </dgm:presLayoutVars>
+      </dgm:prSet>
+      <dgm:spPr/>
+      <dgm:t>
+        <a:bodyPr/>
+        <a:lstStyle/>
+        <a:p>
+          <a:endParaRPr lang="en-US"/>
+        </a:p>
+      </dgm:t>
+    </dgm:pt>
+    <dgm:pt modelId="{6EE83A43-A42C-496C-8B0B-09384A21D137}" type="pres">
+      <dgm:prSet presAssocID="{19A6BBFE-ABDB-467F-9725-D73BC432C207}" presName="connSite1" presStyleCnt="0"/>
+      <dgm:spPr/>
+    </dgm:pt>
+  </dgm:ptLst>
+  <dgm:cxnLst>
+    <dgm:cxn modelId="{6841737A-B728-43A2-A4ED-BA2B468E3169}" type="presOf" srcId="{038F8633-F781-4F05-86AC-0D623C7709EA}" destId="{0BA93FBD-E51D-49CE-B1C2-BD55820F75AF}" srcOrd="0" destOrd="0" presId="urn:microsoft.com/office/officeart/2005/8/layout/hProcess4"/>
+    <dgm:cxn modelId="{BBFC7ACF-53C9-4339-9A0E-64B89DF6D893}" srcId="{3DDE196B-462C-44F0-A9F5-8E19E4F48ED5}" destId="{C08D5243-AD97-4ADF-946E-D2F6164246A9}" srcOrd="3" destOrd="0" parTransId="{F564033F-A301-42CB-845A-204B42743F19}" sibTransId="{A8737532-7B15-45DF-AC0F-FDFC83299351}"/>
+    <dgm:cxn modelId="{B90D099A-D7D7-44DD-9197-446BABFAE073}" type="presOf" srcId="{CF0C0876-AA19-41AE-90DD-3E20BD232417}" destId="{11FB8A23-854F-4D45-A912-BEE49A0CD1FD}" srcOrd="0" destOrd="0" presId="urn:microsoft.com/office/officeart/2005/8/layout/hProcess4"/>
+    <dgm:cxn modelId="{805818B1-B7B3-4567-A99F-D219D58AF347}" type="presOf" srcId="{BBA14176-32EF-470D-9074-CDE2390D782D}" destId="{EFC72D5A-DE52-47E3-A925-4915219F01D3}" srcOrd="0" destOrd="0" presId="urn:microsoft.com/office/officeart/2005/8/layout/hProcess4"/>
+    <dgm:cxn modelId="{A4996B07-FC27-4D77-A1AB-D9C154CD1173}" type="presOf" srcId="{697F5727-2227-4EFC-953F-594428A9560E}" destId="{C26CC788-C811-4A49-BB9E-8C109E4DA220}" srcOrd="0" destOrd="0" presId="urn:microsoft.com/office/officeart/2005/8/layout/hProcess4"/>
+    <dgm:cxn modelId="{5AB0AC57-33A3-41B3-975E-47B4348D3628}" srcId="{3DDE196B-462C-44F0-A9F5-8E19E4F48ED5}" destId="{038F8633-F781-4F05-86AC-0D623C7709EA}" srcOrd="1" destOrd="0" parTransId="{38788388-7FD6-43EB-9C0B-AE910FC13BF9}" sibTransId="{697F5727-2227-4EFC-953F-594428A9560E}"/>
+    <dgm:cxn modelId="{A814F732-DECF-4881-886A-6E15D0E1AAFC}" type="presOf" srcId="{F821D911-15F3-44AB-ADE2-CEC0C61D4313}" destId="{3576BD70-47E7-448C-B1BC-2C517445EC09}" srcOrd="0" destOrd="0" presId="urn:microsoft.com/office/officeart/2005/8/layout/hProcess4"/>
+    <dgm:cxn modelId="{5636EC44-12C3-455E-9C93-6E24BD1635F1}" type="presOf" srcId="{A8737532-7B15-45DF-AC0F-FDFC83299351}" destId="{DBE51BA5-F6EA-49B5-A6C4-26C69EA6F5D7}" srcOrd="0" destOrd="0" presId="urn:microsoft.com/office/officeart/2005/8/layout/hProcess4"/>
+    <dgm:cxn modelId="{7586ED32-5111-4BE4-A950-B967924C64FA}" srcId="{3DDE196B-462C-44F0-A9F5-8E19E4F48ED5}" destId="{19A6BBFE-ABDB-467F-9725-D73BC432C207}" srcOrd="4" destOrd="0" parTransId="{94579E15-C00E-4D63-A80C-920871FD639D}" sibTransId="{E99D3538-1659-4694-83E7-F6EE89F40C54}"/>
+    <dgm:cxn modelId="{FB7EE495-5181-4319-ABC9-E83498DF8AD8}" type="presOf" srcId="{19A6BBFE-ABDB-467F-9725-D73BC432C207}" destId="{1FA8D1C6-EBF4-47FE-A2AE-BF4DD8941BF6}" srcOrd="0" destOrd="0" presId="urn:microsoft.com/office/officeart/2005/8/layout/hProcess4"/>
+    <dgm:cxn modelId="{897177CE-2C7A-4D1F-93AB-EA1962121437}" srcId="{3DDE196B-462C-44F0-A9F5-8E19E4F48ED5}" destId="{CF0C0876-AA19-41AE-90DD-3E20BD232417}" srcOrd="0" destOrd="0" parTransId="{9B18C7A9-598B-4F99-95B4-3F401974AF97}" sibTransId="{F821D911-15F3-44AB-ADE2-CEC0C61D4313}"/>
+    <dgm:cxn modelId="{E84AD6F2-267F-468E-B1D3-33D344076EC9}" type="presOf" srcId="{3DDE196B-462C-44F0-A9F5-8E19E4F48ED5}" destId="{09D317C2-2A9B-4173-89B7-142F2E1548C3}" srcOrd="0" destOrd="0" presId="urn:microsoft.com/office/officeart/2005/8/layout/hProcess4"/>
+    <dgm:cxn modelId="{EFB43CF9-EB0B-437F-9E07-E1DD07E73857}" type="presOf" srcId="{3AEF6B74-2097-4BD7-85FF-9FAEF726637C}" destId="{AF8A0610-288A-47CF-BBE4-E536C5DA873E}" srcOrd="0" destOrd="0" presId="urn:microsoft.com/office/officeart/2005/8/layout/hProcess4"/>
+    <dgm:cxn modelId="{191AB602-7922-4FF4-8851-AD31939D3AAD}" type="presOf" srcId="{C08D5243-AD97-4ADF-946E-D2F6164246A9}" destId="{24D6E799-897B-4A08-89CB-BB777AB3A7A5}" srcOrd="0" destOrd="0" presId="urn:microsoft.com/office/officeart/2005/8/layout/hProcess4"/>
+    <dgm:cxn modelId="{7EDCE091-E960-4EB8-A81A-84C13D36A003}" srcId="{3DDE196B-462C-44F0-A9F5-8E19E4F48ED5}" destId="{BBA14176-32EF-470D-9074-CDE2390D782D}" srcOrd="2" destOrd="0" parTransId="{2545BCD4-AE52-42D5-891D-8DABB81111E6}" sibTransId="{3AEF6B74-2097-4BD7-85FF-9FAEF726637C}"/>
+    <dgm:cxn modelId="{82B0DEF1-F811-42C4-BC1B-3A9BBB6561B3}" type="presParOf" srcId="{09D317C2-2A9B-4173-89B7-142F2E1548C3}" destId="{C74E80C9-A294-4C45-BFA6-D97567425EEC}" srcOrd="0" destOrd="0" presId="urn:microsoft.com/office/officeart/2005/8/layout/hProcess4"/>
+    <dgm:cxn modelId="{EC5B199F-83AA-444B-823F-31B61A8559BB}" type="presParOf" srcId="{09D317C2-2A9B-4173-89B7-142F2E1548C3}" destId="{EF97E821-5D02-4ECF-9329-32CED9CD1AC1}" srcOrd="1" destOrd="0" presId="urn:microsoft.com/office/officeart/2005/8/layout/hProcess4"/>
+    <dgm:cxn modelId="{5A2E353B-6C67-4A66-ABB6-663B71F41D14}" type="presParOf" srcId="{09D317C2-2A9B-4173-89B7-142F2E1548C3}" destId="{73AAC873-46AC-48F0-9684-732C06AE98C2}" srcOrd="2" destOrd="0" presId="urn:microsoft.com/office/officeart/2005/8/layout/hProcess4"/>
+    <dgm:cxn modelId="{6728AE2F-925A-4101-8E77-059632EA8F49}" type="presParOf" srcId="{73AAC873-46AC-48F0-9684-732C06AE98C2}" destId="{82322CC5-F882-4CF9-BEBD-42855EA1AF14}" srcOrd="0" destOrd="0" presId="urn:microsoft.com/office/officeart/2005/8/layout/hProcess4"/>
+    <dgm:cxn modelId="{021C878C-BE35-49C2-A246-53B5246A79CB}" type="presParOf" srcId="{82322CC5-F882-4CF9-BEBD-42855EA1AF14}" destId="{C9051855-A9BF-407D-91C3-FFBA7DD39340}" srcOrd="0" destOrd="0" presId="urn:microsoft.com/office/officeart/2005/8/layout/hProcess4"/>
+    <dgm:cxn modelId="{25808915-639D-4D37-8BD0-B6CE34A45C98}" type="presParOf" srcId="{82322CC5-F882-4CF9-BEBD-42855EA1AF14}" destId="{443B6996-DDF8-4195-8CBE-F49A2D1F015D}" srcOrd="1" destOrd="0" presId="urn:microsoft.com/office/officeart/2005/8/layout/hProcess4"/>
+    <dgm:cxn modelId="{DB7C7268-2BB2-4F03-9F53-A34E4E504187}" type="presParOf" srcId="{82322CC5-F882-4CF9-BEBD-42855EA1AF14}" destId="{54667F3D-93F2-437A-A9F8-B0B72ED8B2BC}" srcOrd="2" destOrd="0" presId="urn:microsoft.com/office/officeart/2005/8/layout/hProcess4"/>
+    <dgm:cxn modelId="{9E07E458-8871-4BD3-9CED-B6F8A28E459B}" type="presParOf" srcId="{82322CC5-F882-4CF9-BEBD-42855EA1AF14}" destId="{11FB8A23-854F-4D45-A912-BEE49A0CD1FD}" srcOrd="3" destOrd="0" presId="urn:microsoft.com/office/officeart/2005/8/layout/hProcess4"/>
+    <dgm:cxn modelId="{B936CC96-E8C8-4D99-B5DF-1EEB3673667E}" type="presParOf" srcId="{82322CC5-F882-4CF9-BEBD-42855EA1AF14}" destId="{7D342F89-D568-46D9-BDC4-B40B159FE6F4}" srcOrd="4" destOrd="0" presId="urn:microsoft.com/office/officeart/2005/8/layout/hProcess4"/>
+    <dgm:cxn modelId="{F1C12B03-D680-42B8-8E36-830D8C2BEC85}" type="presParOf" srcId="{73AAC873-46AC-48F0-9684-732C06AE98C2}" destId="{3576BD70-47E7-448C-B1BC-2C517445EC09}" srcOrd="1" destOrd="0" presId="urn:microsoft.com/office/officeart/2005/8/layout/hProcess4"/>
+    <dgm:cxn modelId="{19386CC3-62FA-49F0-A581-00B22D5AE488}" type="presParOf" srcId="{73AAC873-46AC-48F0-9684-732C06AE98C2}" destId="{5BDB1FDD-379B-44CC-8307-F86CB57077AA}" srcOrd="2" destOrd="0" presId="urn:microsoft.com/office/officeart/2005/8/layout/hProcess4"/>
+    <dgm:cxn modelId="{87AA01A4-95FA-4561-AA5E-CD6992D592E1}" type="presParOf" srcId="{5BDB1FDD-379B-44CC-8307-F86CB57077AA}" destId="{818B1764-8A29-4610-9DCD-0E685648AB4F}" srcOrd="0" destOrd="0" presId="urn:microsoft.com/office/officeart/2005/8/layout/hProcess4"/>
+    <dgm:cxn modelId="{F572784E-F302-4994-B23F-A28810CC4344}" type="presParOf" srcId="{5BDB1FDD-379B-44CC-8307-F86CB57077AA}" destId="{42A6C145-84E5-4C43-92CC-7BB2272535E2}" srcOrd="1" destOrd="0" presId="urn:microsoft.com/office/officeart/2005/8/layout/hProcess4"/>
+    <dgm:cxn modelId="{26F7F29E-0D93-46DB-8FDD-0A8B0120D07A}" type="presParOf" srcId="{5BDB1FDD-379B-44CC-8307-F86CB57077AA}" destId="{C78B6856-D11A-4A88-A83A-8E2E88170A77}" srcOrd="2" destOrd="0" presId="urn:microsoft.com/office/officeart/2005/8/layout/hProcess4"/>
+    <dgm:cxn modelId="{7693575E-227E-4D5F-8F14-988ACE481FFD}" type="presParOf" srcId="{5BDB1FDD-379B-44CC-8307-F86CB57077AA}" destId="{0BA93FBD-E51D-49CE-B1C2-BD55820F75AF}" srcOrd="3" destOrd="0" presId="urn:microsoft.com/office/officeart/2005/8/layout/hProcess4"/>
+    <dgm:cxn modelId="{2CE8026B-28EA-4979-9A94-BF4F2794A98C}" type="presParOf" srcId="{5BDB1FDD-379B-44CC-8307-F86CB57077AA}" destId="{49766045-3D6B-4723-A358-626754294B41}" srcOrd="4" destOrd="0" presId="urn:microsoft.com/office/officeart/2005/8/layout/hProcess4"/>
+    <dgm:cxn modelId="{1094AC0A-890E-4F43-8B9B-114BEF79AE4A}" type="presParOf" srcId="{73AAC873-46AC-48F0-9684-732C06AE98C2}" destId="{C26CC788-C811-4A49-BB9E-8C109E4DA220}" srcOrd="3" destOrd="0" presId="urn:microsoft.com/office/officeart/2005/8/layout/hProcess4"/>
+    <dgm:cxn modelId="{659453B2-9EA4-4672-993A-8D7AFDA09E54}" type="presParOf" srcId="{73AAC873-46AC-48F0-9684-732C06AE98C2}" destId="{B94C6C01-3DB9-4DB5-9BD8-20E8C3014161}" srcOrd="4" destOrd="0" presId="urn:microsoft.com/office/officeart/2005/8/layout/hProcess4"/>
+    <dgm:cxn modelId="{26CACA36-D198-49F2-B2F5-AB35585B6295}" type="presParOf" srcId="{B94C6C01-3DB9-4DB5-9BD8-20E8C3014161}" destId="{7D122A58-4302-4CA5-BEE3-2FA98DBDBA30}" srcOrd="0" destOrd="0" presId="urn:microsoft.com/office/officeart/2005/8/layout/hProcess4"/>
+    <dgm:cxn modelId="{DFAB148C-F7DA-454C-81C8-2CFF84E14715}" type="presParOf" srcId="{B94C6C01-3DB9-4DB5-9BD8-20E8C3014161}" destId="{191C748F-E20B-48F4-8906-D92A810296CD}" srcOrd="1" destOrd="0" presId="urn:microsoft.com/office/officeart/2005/8/layout/hProcess4"/>
+    <dgm:cxn modelId="{FF7FF0B2-6C60-498A-BB03-7072183A17FD}" type="presParOf" srcId="{B94C6C01-3DB9-4DB5-9BD8-20E8C3014161}" destId="{4A204E0F-97CF-49E5-8D3B-2B750697FA3A}" srcOrd="2" destOrd="0" presId="urn:microsoft.com/office/officeart/2005/8/layout/hProcess4"/>
+    <dgm:cxn modelId="{1E8ABA12-B61E-4A35-9A94-AFD1013DB436}" type="presParOf" srcId="{B94C6C01-3DB9-4DB5-9BD8-20E8C3014161}" destId="{EFC72D5A-DE52-47E3-A925-4915219F01D3}" srcOrd="3" destOrd="0" presId="urn:microsoft.com/office/officeart/2005/8/layout/hProcess4"/>
+    <dgm:cxn modelId="{5AC841F9-006E-4EC7-9787-5ADC5E1EBA4D}" type="presParOf" srcId="{B94C6C01-3DB9-4DB5-9BD8-20E8C3014161}" destId="{6E86AD06-5B94-4A36-B834-9ADD46E7E38B}" srcOrd="4" destOrd="0" presId="urn:microsoft.com/office/officeart/2005/8/layout/hProcess4"/>
+    <dgm:cxn modelId="{507183CC-8EF0-4E8B-A12E-4B58488FBE7C}" type="presParOf" srcId="{73AAC873-46AC-48F0-9684-732C06AE98C2}" destId="{AF8A0610-288A-47CF-BBE4-E536C5DA873E}" srcOrd="5" destOrd="0" presId="urn:microsoft.com/office/officeart/2005/8/layout/hProcess4"/>
+    <dgm:cxn modelId="{6EBECD1C-1AE9-4491-830D-3177172C5CB7}" type="presParOf" srcId="{73AAC873-46AC-48F0-9684-732C06AE98C2}" destId="{BE0E7CC0-11D6-429B-8C92-71A9C18D7B23}" srcOrd="6" destOrd="0" presId="urn:microsoft.com/office/officeart/2005/8/layout/hProcess4"/>
+    <dgm:cxn modelId="{CB40F7F6-F1AA-4D0E-AF98-34BC43C50524}" type="presParOf" srcId="{BE0E7CC0-11D6-429B-8C92-71A9C18D7B23}" destId="{98631E99-CCE8-4411-BBF2-6E12864FDD35}" srcOrd="0" destOrd="0" presId="urn:microsoft.com/office/officeart/2005/8/layout/hProcess4"/>
+    <dgm:cxn modelId="{7E67220C-2EFC-488E-82DB-9439950A9002}" type="presParOf" srcId="{BE0E7CC0-11D6-429B-8C92-71A9C18D7B23}" destId="{C0AD3582-9DCE-420B-81F3-443F36B74C34}" srcOrd="1" destOrd="0" presId="urn:microsoft.com/office/officeart/2005/8/layout/hProcess4"/>
+    <dgm:cxn modelId="{4C74B8A1-7315-40E7-A9F3-5898522EDD07}" type="presParOf" srcId="{BE0E7CC0-11D6-429B-8C92-71A9C18D7B23}" destId="{405D9844-88E2-413E-8586-916B22A65082}" srcOrd="2" destOrd="0" presId="urn:microsoft.com/office/officeart/2005/8/layout/hProcess4"/>
+    <dgm:cxn modelId="{4FA9F433-5E6F-41D6-8F37-BCAEDB76C3CF}" type="presParOf" srcId="{BE0E7CC0-11D6-429B-8C92-71A9C18D7B23}" destId="{24D6E799-897B-4A08-89CB-BB777AB3A7A5}" srcOrd="3" destOrd="0" presId="urn:microsoft.com/office/officeart/2005/8/layout/hProcess4"/>
+    <dgm:cxn modelId="{2C431CD9-42B8-4719-8AA1-5BB7FE19F1EA}" type="presParOf" srcId="{BE0E7CC0-11D6-429B-8C92-71A9C18D7B23}" destId="{70FCE6A5-999D-4369-ADBD-62EF1B940E98}" srcOrd="4" destOrd="0" presId="urn:microsoft.com/office/officeart/2005/8/layout/hProcess4"/>
+    <dgm:cxn modelId="{6A3BFCAE-35A2-41A4-AD3D-0D92DC7CC3F3}" type="presParOf" srcId="{73AAC873-46AC-48F0-9684-732C06AE98C2}" destId="{DBE51BA5-F6EA-49B5-A6C4-26C69EA6F5D7}" srcOrd="7" destOrd="0" presId="urn:microsoft.com/office/officeart/2005/8/layout/hProcess4"/>
+    <dgm:cxn modelId="{FB50DCC9-A43E-4183-96CF-6706890B7378}" type="presParOf" srcId="{73AAC873-46AC-48F0-9684-732C06AE98C2}" destId="{DD3BA11D-7716-49E2-B289-22913B74B8BC}" srcOrd="8" destOrd="0" presId="urn:microsoft.com/office/officeart/2005/8/layout/hProcess4"/>
+    <dgm:cxn modelId="{01F7CBBB-2C4C-47F3-BC78-A3B98E3470D0}" type="presParOf" srcId="{DD3BA11D-7716-49E2-B289-22913B74B8BC}" destId="{29A3581E-37E7-4349-B667-2A9086674BDC}" srcOrd="0" destOrd="0" presId="urn:microsoft.com/office/officeart/2005/8/layout/hProcess4"/>
+    <dgm:cxn modelId="{C7F809E4-596D-467D-AA44-75E714146C55}" type="presParOf" srcId="{DD3BA11D-7716-49E2-B289-22913B74B8BC}" destId="{97D3A342-D8A7-438C-A7B6-C1CD1611F69A}" srcOrd="1" destOrd="0" presId="urn:microsoft.com/office/officeart/2005/8/layout/hProcess4"/>
+    <dgm:cxn modelId="{B47AAC29-BA37-4FEA-B3FA-64DC74A59006}" type="presParOf" srcId="{DD3BA11D-7716-49E2-B289-22913B74B8BC}" destId="{E475C2B7-E48A-43A2-946B-A99185095086}" srcOrd="2" destOrd="0" presId="urn:microsoft.com/office/officeart/2005/8/layout/hProcess4"/>
+    <dgm:cxn modelId="{01F9101C-436E-433B-BAA8-68C2A9C130D5}" type="presParOf" srcId="{DD3BA11D-7716-49E2-B289-22913B74B8BC}" destId="{1FA8D1C6-EBF4-47FE-A2AE-BF4DD8941BF6}" srcOrd="3" destOrd="0" presId="urn:microsoft.com/office/officeart/2005/8/layout/hProcess4"/>
+    <dgm:cxn modelId="{2E6B00DA-6876-40ED-A4FC-F17012D5A24D}" type="presParOf" srcId="{DD3BA11D-7716-49E2-B289-22913B74B8BC}" destId="{6EE83A43-A42C-496C-8B0B-09384A21D137}" srcOrd="4" destOrd="0" presId="urn:microsoft.com/office/officeart/2005/8/layout/hProcess4"/>
+  </dgm:cxnLst>
+  <dgm:bg/>
+  <dgm:whole/>
+  <dgm:extLst>
+    <a:ext uri="http://schemas.microsoft.com/office/drawing/2008/diagram">
+      <dsp:dataModelExt xmlns:dsp="http://schemas.microsoft.com/office/drawing/2008/diagram" relId="rId6" minVer="http://schemas.openxmlformats.org/drawingml/2006/diagram"/>
     </a:ext>
   </dgm:extLst>
 </dgm:dataModel>
@@ -5382,12 +6668,8 @@
             <a:buChar char="••"/>
           </a:pPr>
           <a:r>
-            <a:rPr lang="en-US" sz="2800" kern="1200" dirty="0" err="1" smtClean="0"/>
-            <a:t>Scarse</a:t>
-          </a:r>
-          <a:r>
             <a:rPr lang="en-US" sz="2800" kern="1200" dirty="0" smtClean="0"/>
-            <a:t> documentation (apart from Microsoft stuff)</a:t>
+            <a:t>Scarce documentation (apart from Microsoft stuff)</a:t>
           </a:r>
           <a:endParaRPr lang="en-US" sz="2800" kern="1200" dirty="0"/>
         </a:p>
@@ -5414,6 +6696,865 @@
       <dsp:txXfrm>
         <a:off x="4309394" y="825948"/>
         <a:ext cx="3798093" cy="4573170"/>
+      </dsp:txXfrm>
+    </dsp:sp>
+  </dsp:spTree>
+</dsp:drawing>
+</file>
+
+<file path=ppt/diagrams/drawing5.xml><?xml version="1.0" encoding="utf-8"?>
+<dsp:drawing xmlns:dgm="http://schemas.openxmlformats.org/drawingml/2006/diagram" xmlns:dsp="http://schemas.microsoft.com/office/drawing/2008/diagram" xmlns:a="http://schemas.openxmlformats.org/drawingml/2006/main">
+  <dsp:spTree>
+    <dsp:nvGrpSpPr>
+      <dsp:cNvPr id="0" name=""/>
+      <dsp:cNvGrpSpPr/>
+    </dsp:nvGrpSpPr>
+    <dsp:grpSpPr/>
+    <dsp:sp modelId="{443B6996-DDF8-4195-8CBE-F49A2D1F015D}">
+      <dsp:nvSpPr>
+        <dsp:cNvPr id="0" name=""/>
+        <dsp:cNvSpPr/>
+      </dsp:nvSpPr>
+      <dsp:spPr>
+        <a:xfrm>
+          <a:off x="26" y="1494795"/>
+          <a:ext cx="1651021" cy="1361747"/>
+        </a:xfrm>
+        <a:prstGeom prst="roundRect">
+          <a:avLst>
+            <a:gd name="adj" fmla="val 10000"/>
+          </a:avLst>
+        </a:prstGeom>
+        <a:solidFill>
+          <a:schemeClr val="lt1">
+            <a:alpha val="90000"/>
+            <a:hueOff val="0"/>
+            <a:satOff val="0"/>
+            <a:lumOff val="0"/>
+            <a:alphaOff val="0"/>
+          </a:schemeClr>
+        </a:solidFill>
+        <a:ln w="12700" cap="flat" cmpd="sng" algn="ctr">
+          <a:solidFill>
+            <a:schemeClr val="accent1">
+              <a:hueOff val="0"/>
+              <a:satOff val="0"/>
+              <a:lumOff val="0"/>
+              <a:alphaOff val="0"/>
+            </a:schemeClr>
+          </a:solidFill>
+          <a:prstDash val="solid"/>
+          <a:miter lim="800000"/>
+        </a:ln>
+        <a:effectLst/>
+      </dsp:spPr>
+      <dsp:style>
+        <a:lnRef idx="2">
+          <a:scrgbClr r="0" g="0" b="0"/>
+        </a:lnRef>
+        <a:fillRef idx="1">
+          <a:scrgbClr r="0" g="0" b="0"/>
+        </a:fillRef>
+        <a:effectRef idx="0">
+          <a:scrgbClr r="0" g="0" b="0"/>
+        </a:effectRef>
+        <a:fontRef idx="minor"/>
+      </dsp:style>
+    </dsp:sp>
+    <dsp:sp modelId="{3576BD70-47E7-448C-B1BC-2C517445EC09}">
+      <dsp:nvSpPr>
+        <dsp:cNvPr id="0" name=""/>
+        <dsp:cNvSpPr/>
+      </dsp:nvSpPr>
+      <dsp:spPr>
+        <a:xfrm>
+          <a:off x="909009" y="1751427"/>
+          <a:ext cx="1920774" cy="1920774"/>
+        </a:xfrm>
+        <a:prstGeom prst="leftCircularArrow">
+          <a:avLst>
+            <a:gd name="adj1" fmla="val 3671"/>
+            <a:gd name="adj2" fmla="val 457399"/>
+            <a:gd name="adj3" fmla="val 2232910"/>
+            <a:gd name="adj4" fmla="val 9024489"/>
+            <a:gd name="adj5" fmla="val 4283"/>
+          </a:avLst>
+        </a:prstGeom>
+        <a:solidFill>
+          <a:schemeClr val="accent1">
+            <a:tint val="60000"/>
+            <a:hueOff val="0"/>
+            <a:satOff val="0"/>
+            <a:lumOff val="0"/>
+            <a:alphaOff val="0"/>
+          </a:schemeClr>
+        </a:solidFill>
+        <a:ln>
+          <a:noFill/>
+        </a:ln>
+        <a:effectLst/>
+      </dsp:spPr>
+      <dsp:style>
+        <a:lnRef idx="0">
+          <a:scrgbClr r="0" g="0" b="0"/>
+        </a:lnRef>
+        <a:fillRef idx="1">
+          <a:scrgbClr r="0" g="0" b="0"/>
+        </a:fillRef>
+        <a:effectRef idx="0">
+          <a:scrgbClr r="0" g="0" b="0"/>
+        </a:effectRef>
+        <a:fontRef idx="minor">
+          <a:schemeClr val="lt1"/>
+        </a:fontRef>
+      </dsp:style>
+    </dsp:sp>
+    <dsp:sp modelId="{11FB8A23-854F-4D45-A912-BEE49A0CD1FD}">
+      <dsp:nvSpPr>
+        <dsp:cNvPr id="0" name=""/>
+        <dsp:cNvSpPr/>
+      </dsp:nvSpPr>
+      <dsp:spPr>
+        <a:xfrm>
+          <a:off x="366919" y="2564739"/>
+          <a:ext cx="1467575" cy="583606"/>
+        </a:xfrm>
+        <a:prstGeom prst="roundRect">
+          <a:avLst>
+            <a:gd name="adj" fmla="val 10000"/>
+          </a:avLst>
+        </a:prstGeom>
+        <a:solidFill>
+          <a:schemeClr val="accent1">
+            <a:hueOff val="0"/>
+            <a:satOff val="0"/>
+            <a:lumOff val="0"/>
+            <a:alphaOff val="0"/>
+          </a:schemeClr>
+        </a:solidFill>
+        <a:ln w="12700" cap="flat" cmpd="sng" algn="ctr">
+          <a:solidFill>
+            <a:schemeClr val="lt1">
+              <a:hueOff val="0"/>
+              <a:satOff val="0"/>
+              <a:lumOff val="0"/>
+              <a:alphaOff val="0"/>
+            </a:schemeClr>
+          </a:solidFill>
+          <a:prstDash val="solid"/>
+          <a:miter lim="800000"/>
+        </a:ln>
+        <a:effectLst/>
+      </dsp:spPr>
+      <dsp:style>
+        <a:lnRef idx="2">
+          <a:scrgbClr r="0" g="0" b="0"/>
+        </a:lnRef>
+        <a:fillRef idx="1">
+          <a:scrgbClr r="0" g="0" b="0"/>
+        </a:fillRef>
+        <a:effectRef idx="0">
+          <a:scrgbClr r="0" g="0" b="0"/>
+        </a:effectRef>
+        <a:fontRef idx="minor">
+          <a:schemeClr val="lt1"/>
+        </a:fontRef>
+      </dsp:style>
+      <dsp:txBody>
+        <a:bodyPr spcFirstLastPara="0" vert="horz" wrap="square" lIns="43815" tIns="29210" rIns="43815" bIns="29210" numCol="1" spcCol="1270" anchor="ctr" anchorCtr="0">
+          <a:noAutofit/>
+        </a:bodyPr>
+        <a:lstStyle/>
+        <a:p>
+          <a:pPr lvl="0" algn="ctr" defTabSz="1022350">
+            <a:lnSpc>
+              <a:spcPct val="90000"/>
+            </a:lnSpc>
+            <a:spcBef>
+              <a:spcPct val="0"/>
+            </a:spcBef>
+            <a:spcAft>
+              <a:spcPct val="35000"/>
+            </a:spcAft>
+          </a:pPr>
+          <a:r>
+            <a:rPr lang="en-US" sz="2300" kern="1200" dirty="0" smtClean="0"/>
+            <a:t>Portal</a:t>
+          </a:r>
+          <a:endParaRPr lang="en-US" sz="2300" kern="1200" dirty="0"/>
+        </a:p>
+      </dsp:txBody>
+      <dsp:txXfrm>
+        <a:off x="384012" y="2581832"/>
+        <a:ext cx="1433389" cy="549420"/>
+      </dsp:txXfrm>
+    </dsp:sp>
+    <dsp:sp modelId="{42A6C145-84E5-4C43-92CC-7BB2272535E2}">
+      <dsp:nvSpPr>
+        <dsp:cNvPr id="0" name=""/>
+        <dsp:cNvSpPr/>
+      </dsp:nvSpPr>
+      <dsp:spPr>
+        <a:xfrm>
+          <a:off x="2170295" y="1494795"/>
+          <a:ext cx="1651021" cy="1361747"/>
+        </a:xfrm>
+        <a:prstGeom prst="roundRect">
+          <a:avLst>
+            <a:gd name="adj" fmla="val 10000"/>
+          </a:avLst>
+        </a:prstGeom>
+        <a:solidFill>
+          <a:schemeClr val="lt1">
+            <a:alpha val="90000"/>
+            <a:hueOff val="0"/>
+            <a:satOff val="0"/>
+            <a:lumOff val="0"/>
+            <a:alphaOff val="0"/>
+          </a:schemeClr>
+        </a:solidFill>
+        <a:ln w="12700" cap="flat" cmpd="sng" algn="ctr">
+          <a:solidFill>
+            <a:schemeClr val="accent1">
+              <a:hueOff val="0"/>
+              <a:satOff val="0"/>
+              <a:lumOff val="0"/>
+              <a:alphaOff val="0"/>
+            </a:schemeClr>
+          </a:solidFill>
+          <a:prstDash val="solid"/>
+          <a:miter lim="800000"/>
+        </a:ln>
+        <a:effectLst/>
+      </dsp:spPr>
+      <dsp:style>
+        <a:lnRef idx="2">
+          <a:scrgbClr r="0" g="0" b="0"/>
+        </a:lnRef>
+        <a:fillRef idx="1">
+          <a:scrgbClr r="0" g="0" b="0"/>
+        </a:fillRef>
+        <a:effectRef idx="0">
+          <a:scrgbClr r="0" g="0" b="0"/>
+        </a:effectRef>
+        <a:fontRef idx="minor"/>
+      </dsp:style>
+    </dsp:sp>
+    <dsp:sp modelId="{C26CC788-C811-4A49-BB9E-8C109E4DA220}">
+      <dsp:nvSpPr>
+        <dsp:cNvPr id="0" name=""/>
+        <dsp:cNvSpPr/>
+      </dsp:nvSpPr>
+      <dsp:spPr>
+        <a:xfrm>
+          <a:off x="3065520" y="625743"/>
+          <a:ext cx="2131738" cy="2131738"/>
+        </a:xfrm>
+        <a:prstGeom prst="circularArrow">
+          <a:avLst>
+            <a:gd name="adj1" fmla="val 3308"/>
+            <a:gd name="adj2" fmla="val 408578"/>
+            <a:gd name="adj3" fmla="val 19415911"/>
+            <a:gd name="adj4" fmla="val 12575511"/>
+            <a:gd name="adj5" fmla="val 3859"/>
+          </a:avLst>
+        </a:prstGeom>
+        <a:solidFill>
+          <a:schemeClr val="accent1">
+            <a:tint val="60000"/>
+            <a:hueOff val="0"/>
+            <a:satOff val="0"/>
+            <a:lumOff val="0"/>
+            <a:alphaOff val="0"/>
+          </a:schemeClr>
+        </a:solidFill>
+        <a:ln>
+          <a:noFill/>
+        </a:ln>
+        <a:effectLst/>
+      </dsp:spPr>
+      <dsp:style>
+        <a:lnRef idx="0">
+          <a:scrgbClr r="0" g="0" b="0"/>
+        </a:lnRef>
+        <a:fillRef idx="1">
+          <a:scrgbClr r="0" g="0" b="0"/>
+        </a:fillRef>
+        <a:effectRef idx="0">
+          <a:scrgbClr r="0" g="0" b="0"/>
+        </a:effectRef>
+        <a:fontRef idx="minor">
+          <a:schemeClr val="lt1"/>
+        </a:fontRef>
+      </dsp:style>
+    </dsp:sp>
+    <dsp:sp modelId="{0BA93FBD-E51D-49CE-B1C2-BD55820F75AF}">
+      <dsp:nvSpPr>
+        <dsp:cNvPr id="0" name=""/>
+        <dsp:cNvSpPr/>
+      </dsp:nvSpPr>
+      <dsp:spPr>
+        <a:xfrm>
+          <a:off x="2537189" y="1202991"/>
+          <a:ext cx="1467575" cy="583606"/>
+        </a:xfrm>
+        <a:prstGeom prst="roundRect">
+          <a:avLst>
+            <a:gd name="adj" fmla="val 10000"/>
+          </a:avLst>
+        </a:prstGeom>
+        <a:solidFill>
+          <a:schemeClr val="accent1">
+            <a:hueOff val="0"/>
+            <a:satOff val="0"/>
+            <a:lumOff val="0"/>
+            <a:alphaOff val="0"/>
+          </a:schemeClr>
+        </a:solidFill>
+        <a:ln w="12700" cap="flat" cmpd="sng" algn="ctr">
+          <a:solidFill>
+            <a:schemeClr val="lt1">
+              <a:hueOff val="0"/>
+              <a:satOff val="0"/>
+              <a:lumOff val="0"/>
+              <a:alphaOff val="0"/>
+            </a:schemeClr>
+          </a:solidFill>
+          <a:prstDash val="solid"/>
+          <a:miter lim="800000"/>
+        </a:ln>
+        <a:effectLst/>
+      </dsp:spPr>
+      <dsp:style>
+        <a:lnRef idx="2">
+          <a:scrgbClr r="0" g="0" b="0"/>
+        </a:lnRef>
+        <a:fillRef idx="1">
+          <a:scrgbClr r="0" g="0" b="0"/>
+        </a:fillRef>
+        <a:effectRef idx="0">
+          <a:scrgbClr r="0" g="0" b="0"/>
+        </a:effectRef>
+        <a:fontRef idx="minor">
+          <a:schemeClr val="lt1"/>
+        </a:fontRef>
+      </dsp:style>
+      <dsp:txBody>
+        <a:bodyPr spcFirstLastPara="0" vert="horz" wrap="square" lIns="43815" tIns="29210" rIns="43815" bIns="29210" numCol="1" spcCol="1270" anchor="ctr" anchorCtr="0">
+          <a:noAutofit/>
+        </a:bodyPr>
+        <a:lstStyle/>
+        <a:p>
+          <a:pPr lvl="0" algn="ctr" defTabSz="1022350">
+            <a:lnSpc>
+              <a:spcPct val="90000"/>
+            </a:lnSpc>
+            <a:spcBef>
+              <a:spcPct val="0"/>
+            </a:spcBef>
+            <a:spcAft>
+              <a:spcPct val="35000"/>
+            </a:spcAft>
+          </a:pPr>
+          <a:r>
+            <a:rPr lang="en-US" sz="2300" kern="1200" dirty="0" err="1" smtClean="0"/>
+            <a:t>ArmClient</a:t>
+          </a:r>
+          <a:endParaRPr lang="en-US" sz="2300" kern="1200" dirty="0"/>
+        </a:p>
+      </dsp:txBody>
+      <dsp:txXfrm>
+        <a:off x="2554282" y="1220084"/>
+        <a:ext cx="1433389" cy="549420"/>
+      </dsp:txXfrm>
+    </dsp:sp>
+    <dsp:sp modelId="{191C748F-E20B-48F4-8906-D92A810296CD}">
+      <dsp:nvSpPr>
+        <dsp:cNvPr id="0" name=""/>
+        <dsp:cNvSpPr/>
+      </dsp:nvSpPr>
+      <dsp:spPr>
+        <a:xfrm>
+          <a:off x="4340565" y="1494795"/>
+          <a:ext cx="1651021" cy="1361747"/>
+        </a:xfrm>
+        <a:prstGeom prst="roundRect">
+          <a:avLst>
+            <a:gd name="adj" fmla="val 10000"/>
+          </a:avLst>
+        </a:prstGeom>
+        <a:solidFill>
+          <a:schemeClr val="lt1">
+            <a:alpha val="90000"/>
+            <a:hueOff val="0"/>
+            <a:satOff val="0"/>
+            <a:lumOff val="0"/>
+            <a:alphaOff val="0"/>
+          </a:schemeClr>
+        </a:solidFill>
+        <a:ln w="12700" cap="flat" cmpd="sng" algn="ctr">
+          <a:solidFill>
+            <a:schemeClr val="accent1">
+              <a:hueOff val="0"/>
+              <a:satOff val="0"/>
+              <a:lumOff val="0"/>
+              <a:alphaOff val="0"/>
+            </a:schemeClr>
+          </a:solidFill>
+          <a:prstDash val="solid"/>
+          <a:miter lim="800000"/>
+        </a:ln>
+        <a:effectLst/>
+      </dsp:spPr>
+      <dsp:style>
+        <a:lnRef idx="2">
+          <a:scrgbClr r="0" g="0" b="0"/>
+        </a:lnRef>
+        <a:fillRef idx="1">
+          <a:scrgbClr r="0" g="0" b="0"/>
+        </a:fillRef>
+        <a:effectRef idx="0">
+          <a:scrgbClr r="0" g="0" b="0"/>
+        </a:effectRef>
+        <a:fontRef idx="minor"/>
+      </dsp:style>
+    </dsp:sp>
+    <dsp:sp modelId="{AF8A0610-288A-47CF-BBE4-E536C5DA873E}">
+      <dsp:nvSpPr>
+        <dsp:cNvPr id="0" name=""/>
+        <dsp:cNvSpPr/>
+      </dsp:nvSpPr>
+      <dsp:spPr>
+        <a:xfrm>
+          <a:off x="5249548" y="1751427"/>
+          <a:ext cx="1920774" cy="1920774"/>
+        </a:xfrm>
+        <a:prstGeom prst="leftCircularArrow">
+          <a:avLst>
+            <a:gd name="adj1" fmla="val 3671"/>
+            <a:gd name="adj2" fmla="val 457399"/>
+            <a:gd name="adj3" fmla="val 2232910"/>
+            <a:gd name="adj4" fmla="val 9024489"/>
+            <a:gd name="adj5" fmla="val 4283"/>
+          </a:avLst>
+        </a:prstGeom>
+        <a:solidFill>
+          <a:schemeClr val="accent1">
+            <a:tint val="60000"/>
+            <a:hueOff val="0"/>
+            <a:satOff val="0"/>
+            <a:lumOff val="0"/>
+            <a:alphaOff val="0"/>
+          </a:schemeClr>
+        </a:solidFill>
+        <a:ln>
+          <a:noFill/>
+        </a:ln>
+        <a:effectLst/>
+      </dsp:spPr>
+      <dsp:style>
+        <a:lnRef idx="0">
+          <a:scrgbClr r="0" g="0" b="0"/>
+        </a:lnRef>
+        <a:fillRef idx="1">
+          <a:scrgbClr r="0" g="0" b="0"/>
+        </a:fillRef>
+        <a:effectRef idx="0">
+          <a:scrgbClr r="0" g="0" b="0"/>
+        </a:effectRef>
+        <a:fontRef idx="minor">
+          <a:schemeClr val="lt1"/>
+        </a:fontRef>
+      </dsp:style>
+    </dsp:sp>
+    <dsp:sp modelId="{EFC72D5A-DE52-47E3-A925-4915219F01D3}">
+      <dsp:nvSpPr>
+        <dsp:cNvPr id="0" name=""/>
+        <dsp:cNvSpPr/>
+      </dsp:nvSpPr>
+      <dsp:spPr>
+        <a:xfrm>
+          <a:off x="4707459" y="2564739"/>
+          <a:ext cx="1467575" cy="583606"/>
+        </a:xfrm>
+        <a:prstGeom prst="roundRect">
+          <a:avLst>
+            <a:gd name="adj" fmla="val 10000"/>
+          </a:avLst>
+        </a:prstGeom>
+        <a:solidFill>
+          <a:schemeClr val="accent1">
+            <a:hueOff val="0"/>
+            <a:satOff val="0"/>
+            <a:lumOff val="0"/>
+            <a:alphaOff val="0"/>
+          </a:schemeClr>
+        </a:solidFill>
+        <a:ln w="12700" cap="flat" cmpd="sng" algn="ctr">
+          <a:solidFill>
+            <a:schemeClr val="lt1">
+              <a:hueOff val="0"/>
+              <a:satOff val="0"/>
+              <a:lumOff val="0"/>
+              <a:alphaOff val="0"/>
+            </a:schemeClr>
+          </a:solidFill>
+          <a:prstDash val="solid"/>
+          <a:miter lim="800000"/>
+        </a:ln>
+        <a:effectLst/>
+      </dsp:spPr>
+      <dsp:style>
+        <a:lnRef idx="2">
+          <a:scrgbClr r="0" g="0" b="0"/>
+        </a:lnRef>
+        <a:fillRef idx="1">
+          <a:scrgbClr r="0" g="0" b="0"/>
+        </a:fillRef>
+        <a:effectRef idx="0">
+          <a:scrgbClr r="0" g="0" b="0"/>
+        </a:effectRef>
+        <a:fontRef idx="minor">
+          <a:schemeClr val="lt1"/>
+        </a:fontRef>
+      </dsp:style>
+      <dsp:txBody>
+        <a:bodyPr spcFirstLastPara="0" vert="horz" wrap="square" lIns="43815" tIns="29210" rIns="43815" bIns="29210" numCol="1" spcCol="1270" anchor="ctr" anchorCtr="0">
+          <a:noAutofit/>
+        </a:bodyPr>
+        <a:lstStyle/>
+        <a:p>
+          <a:pPr lvl="0" algn="ctr" defTabSz="1022350">
+            <a:lnSpc>
+              <a:spcPct val="90000"/>
+            </a:lnSpc>
+            <a:spcBef>
+              <a:spcPct val="0"/>
+            </a:spcBef>
+            <a:spcAft>
+              <a:spcPct val="35000"/>
+            </a:spcAft>
+          </a:pPr>
+          <a:r>
+            <a:rPr lang="en-US" sz="2300" kern="1200" dirty="0" err="1" smtClean="0"/>
+            <a:t>RestApi</a:t>
+          </a:r>
+          <a:endParaRPr lang="en-US" sz="2300" kern="1200" dirty="0"/>
+        </a:p>
+      </dsp:txBody>
+      <dsp:txXfrm>
+        <a:off x="4724552" y="2581832"/>
+        <a:ext cx="1433389" cy="549420"/>
+      </dsp:txXfrm>
+    </dsp:sp>
+    <dsp:sp modelId="{C0AD3582-9DCE-420B-81F3-443F36B74C34}">
+      <dsp:nvSpPr>
+        <dsp:cNvPr id="0" name=""/>
+        <dsp:cNvSpPr/>
+      </dsp:nvSpPr>
+      <dsp:spPr>
+        <a:xfrm>
+          <a:off x="6510835" y="1494795"/>
+          <a:ext cx="1651021" cy="1361747"/>
+        </a:xfrm>
+        <a:prstGeom prst="roundRect">
+          <a:avLst>
+            <a:gd name="adj" fmla="val 10000"/>
+          </a:avLst>
+        </a:prstGeom>
+        <a:solidFill>
+          <a:schemeClr val="lt1">
+            <a:alpha val="90000"/>
+            <a:hueOff val="0"/>
+            <a:satOff val="0"/>
+            <a:lumOff val="0"/>
+            <a:alphaOff val="0"/>
+          </a:schemeClr>
+        </a:solidFill>
+        <a:ln w="12700" cap="flat" cmpd="sng" algn="ctr">
+          <a:solidFill>
+            <a:schemeClr val="accent1">
+              <a:hueOff val="0"/>
+              <a:satOff val="0"/>
+              <a:lumOff val="0"/>
+              <a:alphaOff val="0"/>
+            </a:schemeClr>
+          </a:solidFill>
+          <a:prstDash val="solid"/>
+          <a:miter lim="800000"/>
+        </a:ln>
+        <a:effectLst/>
+      </dsp:spPr>
+      <dsp:style>
+        <a:lnRef idx="2">
+          <a:scrgbClr r="0" g="0" b="0"/>
+        </a:lnRef>
+        <a:fillRef idx="1">
+          <a:scrgbClr r="0" g="0" b="0"/>
+        </a:fillRef>
+        <a:effectRef idx="0">
+          <a:scrgbClr r="0" g="0" b="0"/>
+        </a:effectRef>
+        <a:fontRef idx="minor"/>
+      </dsp:style>
+    </dsp:sp>
+    <dsp:sp modelId="{DBE51BA5-F6EA-49B5-A6C4-26C69EA6F5D7}">
+      <dsp:nvSpPr>
+        <dsp:cNvPr id="0" name=""/>
+        <dsp:cNvSpPr/>
+      </dsp:nvSpPr>
+      <dsp:spPr>
+        <a:xfrm>
+          <a:off x="7406060" y="625743"/>
+          <a:ext cx="2131738" cy="2131738"/>
+        </a:xfrm>
+        <a:prstGeom prst="circularArrow">
+          <a:avLst>
+            <a:gd name="adj1" fmla="val 3308"/>
+            <a:gd name="adj2" fmla="val 408578"/>
+            <a:gd name="adj3" fmla="val 19415911"/>
+            <a:gd name="adj4" fmla="val 12575511"/>
+            <a:gd name="adj5" fmla="val 3859"/>
+          </a:avLst>
+        </a:prstGeom>
+        <a:solidFill>
+          <a:schemeClr val="accent1">
+            <a:tint val="60000"/>
+            <a:hueOff val="0"/>
+            <a:satOff val="0"/>
+            <a:lumOff val="0"/>
+            <a:alphaOff val="0"/>
+          </a:schemeClr>
+        </a:solidFill>
+        <a:ln>
+          <a:noFill/>
+        </a:ln>
+        <a:effectLst/>
+      </dsp:spPr>
+      <dsp:style>
+        <a:lnRef idx="0">
+          <a:scrgbClr r="0" g="0" b="0"/>
+        </a:lnRef>
+        <a:fillRef idx="1">
+          <a:scrgbClr r="0" g="0" b="0"/>
+        </a:fillRef>
+        <a:effectRef idx="0">
+          <a:scrgbClr r="0" g="0" b="0"/>
+        </a:effectRef>
+        <a:fontRef idx="minor">
+          <a:schemeClr val="lt1"/>
+        </a:fontRef>
+      </dsp:style>
+    </dsp:sp>
+    <dsp:sp modelId="{24D6E799-897B-4A08-89CB-BB777AB3A7A5}">
+      <dsp:nvSpPr>
+        <dsp:cNvPr id="0" name=""/>
+        <dsp:cNvSpPr/>
+      </dsp:nvSpPr>
+      <dsp:spPr>
+        <a:xfrm>
+          <a:off x="6877729" y="1202991"/>
+          <a:ext cx="1467575" cy="583606"/>
+        </a:xfrm>
+        <a:prstGeom prst="roundRect">
+          <a:avLst>
+            <a:gd name="adj" fmla="val 10000"/>
+          </a:avLst>
+        </a:prstGeom>
+        <a:solidFill>
+          <a:schemeClr val="accent1">
+            <a:hueOff val="0"/>
+            <a:satOff val="0"/>
+            <a:lumOff val="0"/>
+            <a:alphaOff val="0"/>
+          </a:schemeClr>
+        </a:solidFill>
+        <a:ln w="12700" cap="flat" cmpd="sng" algn="ctr">
+          <a:solidFill>
+            <a:schemeClr val="lt1">
+              <a:hueOff val="0"/>
+              <a:satOff val="0"/>
+              <a:lumOff val="0"/>
+              <a:alphaOff val="0"/>
+            </a:schemeClr>
+          </a:solidFill>
+          <a:prstDash val="solid"/>
+          <a:miter lim="800000"/>
+        </a:ln>
+        <a:effectLst/>
+      </dsp:spPr>
+      <dsp:style>
+        <a:lnRef idx="2">
+          <a:scrgbClr r="0" g="0" b="0"/>
+        </a:lnRef>
+        <a:fillRef idx="1">
+          <a:scrgbClr r="0" g="0" b="0"/>
+        </a:fillRef>
+        <a:effectRef idx="0">
+          <a:scrgbClr r="0" g="0" b="0"/>
+        </a:effectRef>
+        <a:fontRef idx="minor">
+          <a:schemeClr val="lt1"/>
+        </a:fontRef>
+      </dsp:style>
+      <dsp:txBody>
+        <a:bodyPr spcFirstLastPara="0" vert="horz" wrap="square" lIns="43815" tIns="29210" rIns="43815" bIns="29210" numCol="1" spcCol="1270" anchor="ctr" anchorCtr="0">
+          <a:noAutofit/>
+        </a:bodyPr>
+        <a:lstStyle/>
+        <a:p>
+          <a:pPr lvl="0" algn="ctr" defTabSz="1022350">
+            <a:lnSpc>
+              <a:spcPct val="90000"/>
+            </a:lnSpc>
+            <a:spcBef>
+              <a:spcPct val="0"/>
+            </a:spcBef>
+            <a:spcAft>
+              <a:spcPct val="35000"/>
+            </a:spcAft>
+          </a:pPr>
+          <a:r>
+            <a:rPr lang="en-US" sz="2300" kern="1200" dirty="0" err="1" smtClean="0"/>
+            <a:t>Powershell</a:t>
+          </a:r>
+          <a:endParaRPr lang="en-US" sz="2300" kern="1200" dirty="0"/>
+        </a:p>
+      </dsp:txBody>
+      <dsp:txXfrm>
+        <a:off x="6894822" y="1220084"/>
+        <a:ext cx="1433389" cy="549420"/>
+      </dsp:txXfrm>
+    </dsp:sp>
+    <dsp:sp modelId="{97D3A342-D8A7-438C-A7B6-C1CD1611F69A}">
+      <dsp:nvSpPr>
+        <dsp:cNvPr id="0" name=""/>
+        <dsp:cNvSpPr/>
+      </dsp:nvSpPr>
+      <dsp:spPr>
+        <a:xfrm>
+          <a:off x="8681105" y="1494795"/>
+          <a:ext cx="1651021" cy="1361747"/>
+        </a:xfrm>
+        <a:prstGeom prst="roundRect">
+          <a:avLst>
+            <a:gd name="adj" fmla="val 10000"/>
+          </a:avLst>
+        </a:prstGeom>
+        <a:solidFill>
+          <a:schemeClr val="lt1">
+            <a:alpha val="90000"/>
+            <a:hueOff val="0"/>
+            <a:satOff val="0"/>
+            <a:lumOff val="0"/>
+            <a:alphaOff val="0"/>
+          </a:schemeClr>
+        </a:solidFill>
+        <a:ln w="12700" cap="flat" cmpd="sng" algn="ctr">
+          <a:solidFill>
+            <a:schemeClr val="accent1">
+              <a:hueOff val="0"/>
+              <a:satOff val="0"/>
+              <a:lumOff val="0"/>
+              <a:alphaOff val="0"/>
+            </a:schemeClr>
+          </a:solidFill>
+          <a:prstDash val="solid"/>
+          <a:miter lim="800000"/>
+        </a:ln>
+        <a:effectLst/>
+      </dsp:spPr>
+      <dsp:style>
+        <a:lnRef idx="2">
+          <a:scrgbClr r="0" g="0" b="0"/>
+        </a:lnRef>
+        <a:fillRef idx="1">
+          <a:scrgbClr r="0" g="0" b="0"/>
+        </a:fillRef>
+        <a:effectRef idx="0">
+          <a:scrgbClr r="0" g="0" b="0"/>
+        </a:effectRef>
+        <a:fontRef idx="minor"/>
+      </dsp:style>
+    </dsp:sp>
+    <dsp:sp modelId="{1FA8D1C6-EBF4-47FE-A2AE-BF4DD8941BF6}">
+      <dsp:nvSpPr>
+        <dsp:cNvPr id="0" name=""/>
+        <dsp:cNvSpPr/>
+      </dsp:nvSpPr>
+      <dsp:spPr>
+        <a:xfrm>
+          <a:off x="9047998" y="2564739"/>
+          <a:ext cx="1467575" cy="583606"/>
+        </a:xfrm>
+        <a:prstGeom prst="roundRect">
+          <a:avLst>
+            <a:gd name="adj" fmla="val 10000"/>
+          </a:avLst>
+        </a:prstGeom>
+        <a:solidFill>
+          <a:schemeClr val="accent1">
+            <a:hueOff val="0"/>
+            <a:satOff val="0"/>
+            <a:lumOff val="0"/>
+            <a:alphaOff val="0"/>
+          </a:schemeClr>
+        </a:solidFill>
+        <a:ln w="12700" cap="flat" cmpd="sng" algn="ctr">
+          <a:solidFill>
+            <a:schemeClr val="lt1">
+              <a:hueOff val="0"/>
+              <a:satOff val="0"/>
+              <a:lumOff val="0"/>
+              <a:alphaOff val="0"/>
+            </a:schemeClr>
+          </a:solidFill>
+          <a:prstDash val="solid"/>
+          <a:miter lim="800000"/>
+        </a:ln>
+        <a:effectLst/>
+      </dsp:spPr>
+      <dsp:style>
+        <a:lnRef idx="2">
+          <a:scrgbClr r="0" g="0" b="0"/>
+        </a:lnRef>
+        <a:fillRef idx="1">
+          <a:scrgbClr r="0" g="0" b="0"/>
+        </a:fillRef>
+        <a:effectRef idx="0">
+          <a:scrgbClr r="0" g="0" b="0"/>
+        </a:effectRef>
+        <a:fontRef idx="minor">
+          <a:schemeClr val="lt1"/>
+        </a:fontRef>
+      </dsp:style>
+      <dsp:txBody>
+        <a:bodyPr spcFirstLastPara="0" vert="horz" wrap="square" lIns="43815" tIns="29210" rIns="43815" bIns="29210" numCol="1" spcCol="1270" anchor="ctr" anchorCtr="0">
+          <a:noAutofit/>
+        </a:bodyPr>
+        <a:lstStyle/>
+        <a:p>
+          <a:pPr lvl="0" algn="ctr" defTabSz="1022350">
+            <a:lnSpc>
+              <a:spcPct val="90000"/>
+            </a:lnSpc>
+            <a:spcBef>
+              <a:spcPct val="0"/>
+            </a:spcBef>
+            <a:spcAft>
+              <a:spcPct val="35000"/>
+            </a:spcAft>
+          </a:pPr>
+          <a:r>
+            <a:rPr lang="en-US" sz="2300" kern="1200" dirty="0" smtClean="0"/>
+            <a:t>Templates</a:t>
+          </a:r>
+          <a:endParaRPr lang="en-US" sz="2300" kern="1200" dirty="0"/>
+        </a:p>
+      </dsp:txBody>
+      <dsp:txXfrm>
+        <a:off x="9065091" y="2581832"/>
+        <a:ext cx="1433389" cy="549420"/>
       </dsp:txXfrm>
     </dsp:sp>
   </dsp:spTree>
@@ -6078,6 +8219,550 @@
 </dgm:layoutDef>
 </file>
 
+<file path=ppt/diagrams/layout5.xml><?xml version="1.0" encoding="utf-8"?>
+<dgm:layoutDef xmlns:dgm="http://schemas.openxmlformats.org/drawingml/2006/diagram" xmlns:a="http://schemas.openxmlformats.org/drawingml/2006/main" uniqueId="urn:microsoft.com/office/officeart/2005/8/layout/hProcess4">
+  <dgm:title val=""/>
+  <dgm:desc val=""/>
+  <dgm:catLst>
+    <dgm:cat type="process" pri="4000"/>
+  </dgm:catLst>
+  <dgm:sampData>
+    <dgm:dataModel>
+      <dgm:ptLst>
+        <dgm:pt modelId="0" type="doc"/>
+        <dgm:pt modelId="1">
+          <dgm:prSet phldr="1"/>
+        </dgm:pt>
+        <dgm:pt modelId="11">
+          <dgm:prSet phldr="1"/>
+        </dgm:pt>
+        <dgm:pt modelId="12">
+          <dgm:prSet phldr="1"/>
+        </dgm:pt>
+        <dgm:pt modelId="2">
+          <dgm:prSet phldr="1"/>
+        </dgm:pt>
+        <dgm:pt modelId="21">
+          <dgm:prSet phldr="1"/>
+        </dgm:pt>
+        <dgm:pt modelId="22">
+          <dgm:prSet phldr="1"/>
+        </dgm:pt>
+        <dgm:pt modelId="3">
+          <dgm:prSet phldr="1"/>
+        </dgm:pt>
+        <dgm:pt modelId="31">
+          <dgm:prSet phldr="1"/>
+        </dgm:pt>
+        <dgm:pt modelId="32">
+          <dgm:prSet phldr="1"/>
+        </dgm:pt>
+      </dgm:ptLst>
+      <dgm:cxnLst>
+        <dgm:cxn modelId="4" srcId="0" destId="1" srcOrd="0" destOrd="0"/>
+        <dgm:cxn modelId="5" srcId="0" destId="2" srcOrd="1" destOrd="0"/>
+        <dgm:cxn modelId="6" srcId="0" destId="3" srcOrd="2" destOrd="0"/>
+        <dgm:cxn modelId="13" srcId="1" destId="11" srcOrd="0" destOrd="0"/>
+        <dgm:cxn modelId="14" srcId="1" destId="12" srcOrd="1" destOrd="0"/>
+        <dgm:cxn modelId="23" srcId="2" destId="21" srcOrd="0" destOrd="0"/>
+        <dgm:cxn modelId="24" srcId="2" destId="22" srcOrd="1" destOrd="0"/>
+        <dgm:cxn modelId="33" srcId="3" destId="31" srcOrd="0" destOrd="0"/>
+        <dgm:cxn modelId="34" srcId="3" destId="32" srcOrd="1" destOrd="0"/>
+      </dgm:cxnLst>
+      <dgm:bg/>
+      <dgm:whole/>
+    </dgm:dataModel>
+  </dgm:sampData>
+  <dgm:styleData>
+    <dgm:dataModel>
+      <dgm:ptLst>
+        <dgm:pt modelId="0" type="doc"/>
+        <dgm:pt modelId="1"/>
+        <dgm:pt modelId="11"/>
+        <dgm:pt modelId="2"/>
+        <dgm:pt modelId="21"/>
+      </dgm:ptLst>
+      <dgm:cxnLst>
+        <dgm:cxn modelId="4" srcId="0" destId="1" srcOrd="0" destOrd="0"/>
+        <dgm:cxn modelId="5" srcId="0" destId="2" srcOrd="1" destOrd="0"/>
+        <dgm:cxn modelId="13" srcId="1" destId="11" srcOrd="0" destOrd="0"/>
+        <dgm:cxn modelId="23" srcId="2" destId="21" srcOrd="0" destOrd="0"/>
+      </dgm:cxnLst>
+      <dgm:bg/>
+      <dgm:whole/>
+    </dgm:dataModel>
+  </dgm:styleData>
+  <dgm:clrData>
+    <dgm:dataModel>
+      <dgm:ptLst>
+        <dgm:pt modelId="0" type="doc"/>
+        <dgm:pt modelId="1"/>
+        <dgm:pt modelId="11"/>
+        <dgm:pt modelId="2"/>
+        <dgm:pt modelId="21"/>
+        <dgm:pt modelId="3"/>
+        <dgm:pt modelId="31"/>
+        <dgm:pt modelId="4"/>
+        <dgm:pt modelId="41"/>
+      </dgm:ptLst>
+      <dgm:cxnLst>
+        <dgm:cxn modelId="5" srcId="0" destId="1" srcOrd="0" destOrd="0"/>
+        <dgm:cxn modelId="6" srcId="0" destId="2" srcOrd="1" destOrd="0"/>
+        <dgm:cxn modelId="7" srcId="0" destId="3" srcOrd="2" destOrd="0"/>
+        <dgm:cxn modelId="8" srcId="0" destId="4" srcOrd="3" destOrd="0"/>
+        <dgm:cxn modelId="13" srcId="1" destId="11" srcOrd="0" destOrd="0"/>
+        <dgm:cxn modelId="23" srcId="2" destId="21" srcOrd="0" destOrd="0"/>
+        <dgm:cxn modelId="33" srcId="3" destId="31" srcOrd="0" destOrd="0"/>
+        <dgm:cxn modelId="43" srcId="4" destId="41" srcOrd="0" destOrd="0"/>
+      </dgm:cxnLst>
+      <dgm:bg/>
+      <dgm:whole/>
+    </dgm:dataModel>
+  </dgm:clrData>
+  <dgm:layoutNode name="Name0">
+    <dgm:varLst>
+      <dgm:dir/>
+      <dgm:animLvl val="lvl"/>
+      <dgm:resizeHandles val="exact"/>
+    </dgm:varLst>
+    <dgm:alg type="composite"/>
+    <dgm:shape xmlns:r="http://schemas.openxmlformats.org/officeDocument/2006/relationships" r:blip="">
+      <dgm:adjLst/>
+    </dgm:shape>
+    <dgm:presOf/>
+    <dgm:constrLst>
+      <dgm:constr type="w" for="ch" forName="tSp" refType="w"/>
+      <dgm:constr type="h" for="ch" forName="tSp" refType="h" fact="0.15"/>
+      <dgm:constr type="l" for="ch" forName="tSp"/>
+      <dgm:constr type="t" for="ch" forName="tSp"/>
+      <dgm:constr type="w" for="ch" forName="bSp" refType="w"/>
+      <dgm:constr type="h" for="ch" forName="bSp" refType="h" fact="0.15"/>
+      <dgm:constr type="l" for="ch" forName="bSp"/>
+      <dgm:constr type="t" for="ch" forName="bSp" refType="h" fact="0.85"/>
+      <dgm:constr type="w" for="ch" forName="process" refType="w"/>
+      <dgm:constr type="h" for="ch" forName="process" refType="h" fact="0.7"/>
+      <dgm:constr type="l" for="ch" forName="process"/>
+      <dgm:constr type="t" for="ch" forName="process" refType="h" fact="0.15"/>
+    </dgm:constrLst>
+    <dgm:ruleLst/>
+    <dgm:layoutNode name="tSp">
+      <dgm:alg type="sp"/>
+      <dgm:shape xmlns:r="http://schemas.openxmlformats.org/officeDocument/2006/relationships" r:blip="">
+        <dgm:adjLst/>
+      </dgm:shape>
+      <dgm:presOf/>
+      <dgm:constrLst/>
+      <dgm:ruleLst/>
+    </dgm:layoutNode>
+    <dgm:layoutNode name="bSp">
+      <dgm:alg type="sp"/>
+      <dgm:shape xmlns:r="http://schemas.openxmlformats.org/officeDocument/2006/relationships" r:blip="">
+        <dgm:adjLst/>
+      </dgm:shape>
+      <dgm:presOf/>
+      <dgm:constrLst/>
+      <dgm:ruleLst/>
+    </dgm:layoutNode>
+    <dgm:layoutNode name="process">
+      <dgm:choose name="Name1">
+        <dgm:if name="Name2" func="var" arg="dir" op="equ" val="norm">
+          <dgm:alg type="lin">
+            <dgm:param type="linDir" val="fromL"/>
+          </dgm:alg>
+        </dgm:if>
+        <dgm:else name="Name3">
+          <dgm:alg type="lin">
+            <dgm:param type="linDir" val="fromR"/>
+          </dgm:alg>
+        </dgm:else>
+      </dgm:choose>
+      <dgm:shape xmlns:r="http://schemas.openxmlformats.org/officeDocument/2006/relationships" r:blip="">
+        <dgm:adjLst/>
+      </dgm:shape>
+      <dgm:presOf/>
+      <dgm:constrLst>
+        <dgm:constr type="w" for="ch" forName="composite1" refType="w"/>
+        <dgm:constr type="w" for="ch" forName="composite2" refType="w" refFor="ch" refForName="composite1" op="equ"/>
+        <dgm:constr type="h" for="ch" forName="composite1" refType="h"/>
+        <dgm:constr type="h" for="ch" forName="composite2" refType="h" refFor="ch" refForName="composite1" op="equ"/>
+        <dgm:constr type="primFontSz" for="des" forName="parentNode1" val="65"/>
+        <dgm:constr type="primFontSz" for="des" forName="parentNode2" refType="primFontSz" refFor="des" refForName="parentNode1" op="equ"/>
+        <dgm:constr type="secFontSz" for="des" forName="childNode1tx" val="65"/>
+        <dgm:constr type="secFontSz" for="des" forName="childNode2tx" refType="secFontSz" refFor="des" refForName="childNode1tx" op="equ"/>
+        <dgm:constr type="w" for="des" ptType="sibTrans" refType="w" refFor="ch" refForName="composite1" op="equ" fact="0.05"/>
+      </dgm:constrLst>
+      <dgm:ruleLst/>
+      <dgm:forEach name="Name4" axis="ch" ptType="node" step="2">
+        <dgm:layoutNode name="composite1">
+          <dgm:alg type="composite">
+            <dgm:param type="ar" val="0.943"/>
+          </dgm:alg>
+          <dgm:shape xmlns:r="http://schemas.openxmlformats.org/officeDocument/2006/relationships" r:blip="">
+            <dgm:adjLst/>
+          </dgm:shape>
+          <dgm:presOf/>
+          <dgm:choose name="Name5">
+            <dgm:if name="Name6" func="var" arg="dir" op="equ" val="norm">
+              <dgm:constrLst>
+                <dgm:constr type="h" refType="w" fact="1.06"/>
+                <dgm:constr type="w" for="ch" forName="dummyNode1" refType="w"/>
+                <dgm:constr type="h" for="ch" forName="dummyNode1" refType="h"/>
+                <dgm:constr type="t" for="ch" forName="dummyNode1"/>
+                <dgm:constr type="l" for="ch" forName="dummyNode1"/>
+                <dgm:constr type="w" for="ch" forName="childNode1" refType="w" fact="0.9"/>
+                <dgm:constr type="h" for="ch" forName="childNode1" refType="h" fact="0.7"/>
+                <dgm:constr type="t" for="ch" forName="childNode1" refType="h" fact="0.15"/>
+                <dgm:constr type="l" for="ch" forName="childNode1"/>
+                <dgm:constr type="w" for="ch" forName="childNode1tx" refType="w" fact="0.9"/>
+                <dgm:constr type="h" for="ch" forName="childNode1tx" refType="h" fact="0.55"/>
+                <dgm:constr type="t" for="ch" forName="childNode1tx" refType="h" fact="0.15"/>
+                <dgm:constr type="l" for="ch" forName="childNode1tx"/>
+                <dgm:constr type="w" for="ch" forName="parentNode1" refType="w" fact="0.8"/>
+                <dgm:constr type="h" for="ch" forName="parentNode1" refType="h" fact="0.3"/>
+                <dgm:constr type="t" for="ch" forName="parentNode1" refType="h" fact="0.7"/>
+                <dgm:constr type="l" for="ch" forName="parentNode1" refType="w" fact="0.2"/>
+                <dgm:constr type="w" for="ch" forName="connSite1" refType="w" fact="0.01"/>
+                <dgm:constr type="h" for="ch" forName="connSite1" refType="h" fact="0.01"/>
+                <dgm:constr type="t" for="ch" forName="connSite1"/>
+                <dgm:constr type="l" for="ch" forName="connSite1" refType="w" fact="0.35"/>
+              </dgm:constrLst>
+            </dgm:if>
+            <dgm:else name="Name7">
+              <dgm:constrLst>
+                <dgm:constr type="h" refType="w" fact="1.06"/>
+                <dgm:constr type="w" for="ch" forName="dummyNode1" refType="w"/>
+                <dgm:constr type="h" for="ch" forName="dummyNode1" refType="h"/>
+                <dgm:constr type="t" for="ch" forName="dummyNode1"/>
+                <dgm:constr type="l" for="ch" forName="dummyNode1"/>
+                <dgm:constr type="w" for="ch" forName="childNode1" refType="w" fact="0.9"/>
+                <dgm:constr type="h" for="ch" forName="childNode1" refType="h" fact="0.7"/>
+                <dgm:constr type="t" for="ch" forName="childNode1" refType="h" fact="0.15"/>
+                <dgm:constr type="l" for="ch" forName="childNode1" refType="w" fact="0.1"/>
+                <dgm:constr type="w" for="ch" forName="childNode1tx" refType="w" fact="0.9"/>
+                <dgm:constr type="h" for="ch" forName="childNode1tx" refType="h" fact="0.55"/>
+                <dgm:constr type="t" for="ch" forName="childNode1tx" refType="h" fact="0.15"/>
+                <dgm:constr type="l" for="ch" forName="childNode1tx" refType="w" fact="0.1"/>
+                <dgm:constr type="w" for="ch" forName="parentNode1" refType="w" fact="0.8"/>
+                <dgm:constr type="h" for="ch" forName="parentNode1" refType="h" fact="0.3"/>
+                <dgm:constr type="t" for="ch" forName="parentNode1" refType="h" fact="0.7"/>
+                <dgm:constr type="l" for="ch" forName="parentNode1"/>
+                <dgm:constr type="w" for="ch" forName="connSite1" refType="w" fact="0.01"/>
+                <dgm:constr type="h" for="ch" forName="connSite1" refType="h" fact="0.01"/>
+                <dgm:constr type="t" for="ch" forName="connSite1"/>
+                <dgm:constr type="l" for="ch" forName="connSite1" refType="w" fact="0.65"/>
+              </dgm:constrLst>
+            </dgm:else>
+          </dgm:choose>
+          <dgm:ruleLst/>
+          <dgm:layoutNode name="dummyNode1">
+            <dgm:alg type="sp"/>
+            <dgm:shape xmlns:r="http://schemas.openxmlformats.org/officeDocument/2006/relationships" type="rect" r:blip="" hideGeom="1">
+              <dgm:adjLst/>
+            </dgm:shape>
+            <dgm:presOf/>
+            <dgm:constrLst/>
+            <dgm:ruleLst/>
+          </dgm:layoutNode>
+          <dgm:layoutNode name="childNode1" styleLbl="bgAcc1">
+            <dgm:varLst>
+              <dgm:bulletEnabled val="1"/>
+            </dgm:varLst>
+            <dgm:alg type="sp"/>
+            <dgm:shape xmlns:r="http://schemas.openxmlformats.org/officeDocument/2006/relationships" type="roundRect" r:blip="">
+              <dgm:adjLst>
+                <dgm:adj idx="1" val="0.1"/>
+              </dgm:adjLst>
+            </dgm:shape>
+            <dgm:presOf axis="des" ptType="node"/>
+            <dgm:constrLst/>
+            <dgm:ruleLst/>
+          </dgm:layoutNode>
+          <dgm:layoutNode name="childNode1tx" styleLbl="bgAcc1">
+            <dgm:varLst>
+              <dgm:bulletEnabled val="1"/>
+            </dgm:varLst>
+            <dgm:alg type="tx">
+              <dgm:param type="stBulletLvl" val="1"/>
+            </dgm:alg>
+            <dgm:shape xmlns:r="http://schemas.openxmlformats.org/officeDocument/2006/relationships" type="roundRect" r:blip="" hideGeom="1">
+              <dgm:adjLst>
+                <dgm:adj idx="1" val="0.1"/>
+              </dgm:adjLst>
+            </dgm:shape>
+            <dgm:presOf axis="des" ptType="node"/>
+            <dgm:constrLst>
+              <dgm:constr type="secFontSz" val="65"/>
+              <dgm:constr type="primFontSz" refType="secFontSz"/>
+              <dgm:constr type="tMarg" refType="secFontSz" fact="0.15"/>
+              <dgm:constr type="bMarg" refType="secFontSz" fact="0.15"/>
+              <dgm:constr type="lMarg" refType="secFontSz" fact="0.15"/>
+              <dgm:constr type="rMarg" refType="secFontSz" fact="0.15"/>
+            </dgm:constrLst>
+            <dgm:ruleLst>
+              <dgm:rule type="secFontSz" val="5" fact="NaN" max="NaN"/>
+            </dgm:ruleLst>
+          </dgm:layoutNode>
+          <dgm:layoutNode name="parentNode1" styleLbl="node1">
+            <dgm:varLst>
+              <dgm:chMax val="1"/>
+              <dgm:bulletEnabled val="1"/>
+            </dgm:varLst>
+            <dgm:alg type="tx"/>
+            <dgm:shape xmlns:r="http://schemas.openxmlformats.org/officeDocument/2006/relationships" type="roundRect" r:blip="">
+              <dgm:adjLst>
+                <dgm:adj idx="1" val="0.1"/>
+              </dgm:adjLst>
+            </dgm:shape>
+            <dgm:presOf axis="self"/>
+            <dgm:constrLst>
+              <dgm:constr type="tMarg" refType="primFontSz" fact="0.1"/>
+              <dgm:constr type="bMarg" refType="primFontSz" fact="0.1"/>
+              <dgm:constr type="lMarg" refType="primFontSz" fact="0.15"/>
+              <dgm:constr type="rMarg" refType="primFontSz" fact="0.15"/>
+            </dgm:constrLst>
+            <dgm:ruleLst>
+              <dgm:rule type="primFontSz" val="5" fact="NaN" max="NaN"/>
+            </dgm:ruleLst>
+          </dgm:layoutNode>
+          <dgm:layoutNode name="connSite1" moveWith="childNode1">
+            <dgm:alg type="sp"/>
+            <dgm:shape xmlns:r="http://schemas.openxmlformats.org/officeDocument/2006/relationships" r:blip="">
+              <dgm:adjLst/>
+            </dgm:shape>
+            <dgm:presOf/>
+            <dgm:constrLst/>
+            <dgm:ruleLst/>
+          </dgm:layoutNode>
+        </dgm:layoutNode>
+        <dgm:forEach name="Name8" axis="followSib" ptType="sibTrans" cnt="1">
+          <dgm:layoutNode name="Name9">
+            <dgm:alg type="conn">
+              <dgm:param type="connRout" val="curve"/>
+              <dgm:param type="srcNode" val="parentNode1"/>
+              <dgm:param type="dstNode" val="connSite2"/>
+              <dgm:param type="begPts" val="bCtr"/>
+              <dgm:param type="endPts" val="bCtr"/>
+            </dgm:alg>
+            <dgm:shape xmlns:r="http://schemas.openxmlformats.org/officeDocument/2006/relationships" type="conn" r:blip="" zOrderOff="-2">
+              <dgm:adjLst/>
+            </dgm:shape>
+            <dgm:presOf axis="self"/>
+            <dgm:choose name="Name10">
+              <dgm:if name="Name11" func="var" arg="dir" op="equ" val="norm">
+                <dgm:constrLst>
+                  <dgm:constr type="h" refType="w" fact="0.35"/>
+                  <dgm:constr type="wArH" refType="h"/>
+                  <dgm:constr type="hArH" refType="h"/>
+                  <dgm:constr type="connDist"/>
+                  <dgm:constr type="diam" refType="connDist" fact="-1.15"/>
+                  <dgm:constr type="begPad"/>
+                  <dgm:constr type="endPad"/>
+                </dgm:constrLst>
+              </dgm:if>
+              <dgm:else name="Name12">
+                <dgm:constrLst>
+                  <dgm:constr type="h" refType="w" fact="0.35"/>
+                  <dgm:constr type="wArH" refType="h"/>
+                  <dgm:constr type="hArH" refType="h"/>
+                  <dgm:constr type="connDist"/>
+                  <dgm:constr type="diam" refType="connDist" fact="1.15"/>
+                  <dgm:constr type="begPad"/>
+                  <dgm:constr type="endPad"/>
+                </dgm:constrLst>
+              </dgm:else>
+            </dgm:choose>
+            <dgm:ruleLst/>
+          </dgm:layoutNode>
+        </dgm:forEach>
+        <dgm:forEach name="Name13" axis="followSib" ptType="node" cnt="1">
+          <dgm:layoutNode name="composite2">
+            <dgm:alg type="composite">
+              <dgm:param type="ar" val="0.943"/>
+            </dgm:alg>
+            <dgm:shape xmlns:r="http://schemas.openxmlformats.org/officeDocument/2006/relationships" r:blip="">
+              <dgm:adjLst/>
+            </dgm:shape>
+            <dgm:presOf/>
+            <dgm:choose name="Name14">
+              <dgm:if name="Name15" func="var" arg="dir" op="equ" val="norm">
+                <dgm:constrLst>
+                  <dgm:constr type="h" refType="w" fact="1.06"/>
+                  <dgm:constr type="w" for="ch" forName="dummyNode2" refType="w"/>
+                  <dgm:constr type="h" for="ch" forName="dummyNode2" refType="h"/>
+                  <dgm:constr type="t" for="ch" forName="dummyNode2"/>
+                  <dgm:constr type="l" for="ch" forName="dummyNode2"/>
+                  <dgm:constr type="w" for="ch" forName="childNode2" refType="w" fact="0.9"/>
+                  <dgm:constr type="h" for="ch" forName="childNode2" refType="h" fact="0.7"/>
+                  <dgm:constr type="t" for="ch" forName="childNode2" refType="h" fact="0.15"/>
+                  <dgm:constr type="l" for="ch" forName="childNode2"/>
+                  <dgm:constr type="w" for="ch" forName="childNode2tx" refType="w" fact="0.9"/>
+                  <dgm:constr type="h" for="ch" forName="childNode2tx" refType="h" fact="0.55"/>
+                  <dgm:constr type="t" for="ch" forName="childNode2tx" refType="h" fact="0.3"/>
+                  <dgm:constr type="l" for="ch" forName="childNode2tx"/>
+                  <dgm:constr type="w" for="ch" forName="parentNode2" refType="w" fact="0.8"/>
+                  <dgm:constr type="h" for="ch" forName="parentNode2" refType="h" fact="0.3"/>
+                  <dgm:constr type="t" for="ch" forName="parentNode2"/>
+                  <dgm:constr type="l" for="ch" forName="parentNode2" refType="w" fact="0.2"/>
+                  <dgm:constr type="w" for="ch" forName="connSite2" refType="w" fact="0.01"/>
+                  <dgm:constr type="h" for="ch" forName="connSite2" refType="h" fact="0.01"/>
+                  <dgm:constr type="t" for="ch" forName="connSite2" refType="h" fact="0.99"/>
+                  <dgm:constr type="l" for="ch" forName="connSite2" refType="w" fact="0.25"/>
+                </dgm:constrLst>
+              </dgm:if>
+              <dgm:else name="Name16">
+                <dgm:constrLst>
+                  <dgm:constr type="h" refType="w" fact="1.06"/>
+                  <dgm:constr type="w" for="ch" forName="dummyNode2" refType="w"/>
+                  <dgm:constr type="h" for="ch" forName="dummyNode2" refType="h"/>
+                  <dgm:constr type="t" for="ch" forName="dummyNode2"/>
+                  <dgm:constr type="l" for="ch" forName="dummyNode2"/>
+                  <dgm:constr type="w" for="ch" forName="childNode2" refType="w" fact="0.9"/>
+                  <dgm:constr type="h" for="ch" forName="childNode2" refType="h" fact="0.7"/>
+                  <dgm:constr type="t" for="ch" forName="childNode2" refType="h" fact="0.15"/>
+                  <dgm:constr type="l" for="ch" forName="childNode2" refType="w" fact="0.1"/>
+                  <dgm:constr type="w" for="ch" forName="childNode2tx" refType="w" fact="0.9"/>
+                  <dgm:constr type="h" for="ch" forName="childNode2tx" refType="h" fact="0.55"/>
+                  <dgm:constr type="t" for="ch" forName="childNode2tx" refType="h" fact="0.3"/>
+                  <dgm:constr type="l" for="ch" forName="childNode2tx" refType="w" fact="0.1"/>
+                  <dgm:constr type="w" for="ch" forName="parentNode2" refType="w" fact="0.8"/>
+                  <dgm:constr type="h" for="ch" forName="parentNode2" refType="h" fact="0.3"/>
+                  <dgm:constr type="t" for="ch" forName="parentNode2"/>
+                  <dgm:constr type="l" for="ch" forName="parentNode2"/>
+                  <dgm:constr type="w" for="ch" forName="connSite2" refType="w" fact="0.01"/>
+                  <dgm:constr type="h" for="ch" forName="connSite2" refType="h" fact="0.01"/>
+                  <dgm:constr type="t" for="ch" forName="connSite2" refType="h" fact="0.99"/>
+                  <dgm:constr type="l" for="ch" forName="connSite2" refType="w" fact="0.85"/>
+                </dgm:constrLst>
+              </dgm:else>
+            </dgm:choose>
+            <dgm:ruleLst/>
+            <dgm:layoutNode name="dummyNode2">
+              <dgm:alg type="sp"/>
+              <dgm:shape xmlns:r="http://schemas.openxmlformats.org/officeDocument/2006/relationships" type="rect" r:blip="" hideGeom="1">
+                <dgm:adjLst/>
+              </dgm:shape>
+              <dgm:presOf/>
+              <dgm:constrLst/>
+              <dgm:ruleLst/>
+            </dgm:layoutNode>
+            <dgm:layoutNode name="childNode2" styleLbl="bgAcc1">
+              <dgm:varLst>
+                <dgm:bulletEnabled val="1"/>
+              </dgm:varLst>
+              <dgm:alg type="sp"/>
+              <dgm:shape xmlns:r="http://schemas.openxmlformats.org/officeDocument/2006/relationships" type="roundRect" r:blip="">
+                <dgm:adjLst>
+                  <dgm:adj idx="1" val="0.1"/>
+                </dgm:adjLst>
+              </dgm:shape>
+              <dgm:presOf axis="des" ptType="node"/>
+              <dgm:constrLst/>
+              <dgm:ruleLst/>
+            </dgm:layoutNode>
+            <dgm:layoutNode name="childNode2tx" styleLbl="bgAcc1">
+              <dgm:varLst>
+                <dgm:bulletEnabled val="1"/>
+              </dgm:varLst>
+              <dgm:alg type="tx">
+                <dgm:param type="stBulletLvl" val="1"/>
+              </dgm:alg>
+              <dgm:shape xmlns:r="http://schemas.openxmlformats.org/officeDocument/2006/relationships" type="roundRect" r:blip="" hideGeom="1">
+                <dgm:adjLst>
+                  <dgm:adj idx="1" val="0.1"/>
+                </dgm:adjLst>
+              </dgm:shape>
+              <dgm:presOf axis="des" ptType="node"/>
+              <dgm:constrLst>
+                <dgm:constr type="secFontSz" val="65"/>
+                <dgm:constr type="primFontSz" refType="secFontSz"/>
+                <dgm:constr type="tMarg" refType="secFontSz" fact="0.15"/>
+                <dgm:constr type="bMarg" refType="secFontSz" fact="0.15"/>
+                <dgm:constr type="lMarg" refType="secFontSz" fact="0.15"/>
+                <dgm:constr type="rMarg" refType="secFontSz" fact="0.15"/>
+              </dgm:constrLst>
+              <dgm:ruleLst>
+                <dgm:rule type="secFontSz" val="5" fact="NaN" max="NaN"/>
+              </dgm:ruleLst>
+            </dgm:layoutNode>
+            <dgm:layoutNode name="parentNode2" styleLbl="node1">
+              <dgm:varLst>
+                <dgm:chMax val="0"/>
+                <dgm:bulletEnabled val="1"/>
+              </dgm:varLst>
+              <dgm:alg type="tx"/>
+              <dgm:shape xmlns:r="http://schemas.openxmlformats.org/officeDocument/2006/relationships" type="roundRect" r:blip="">
+                <dgm:adjLst>
+                  <dgm:adj idx="1" val="0.1"/>
+                </dgm:adjLst>
+              </dgm:shape>
+              <dgm:presOf axis="self"/>
+              <dgm:constrLst>
+                <dgm:constr type="tMarg" refType="primFontSz" fact="0.1"/>
+                <dgm:constr type="bMarg" refType="primFontSz" fact="0.1"/>
+                <dgm:constr type="lMarg" refType="primFontSz" fact="0.15"/>
+                <dgm:constr type="rMarg" refType="primFontSz" fact="0.15"/>
+              </dgm:constrLst>
+              <dgm:ruleLst>
+                <dgm:rule type="primFontSz" val="5" fact="NaN" max="NaN"/>
+              </dgm:ruleLst>
+            </dgm:layoutNode>
+            <dgm:layoutNode name="connSite2" moveWith="childNode2">
+              <dgm:alg type="sp"/>
+              <dgm:shape xmlns:r="http://schemas.openxmlformats.org/officeDocument/2006/relationships" r:blip="">
+                <dgm:adjLst/>
+              </dgm:shape>
+              <dgm:presOf/>
+              <dgm:constrLst/>
+              <dgm:ruleLst/>
+            </dgm:layoutNode>
+          </dgm:layoutNode>
+          <dgm:forEach name="Name17" axis="followSib" ptType="sibTrans" cnt="1">
+            <dgm:layoutNode name="Name18">
+              <dgm:alg type="conn">
+                <dgm:param type="connRout" val="curve"/>
+                <dgm:param type="srcNode" val="parentNode2"/>
+                <dgm:param type="dstNode" val="connSite1"/>
+                <dgm:param type="begPts" val="tCtr"/>
+                <dgm:param type="endPts" val="tCtr"/>
+              </dgm:alg>
+              <dgm:shape xmlns:r="http://schemas.openxmlformats.org/officeDocument/2006/relationships" type="conn" r:blip="" zOrderOff="-2">
+                <dgm:adjLst/>
+              </dgm:shape>
+              <dgm:presOf axis="self"/>
+              <dgm:choose name="Name19">
+                <dgm:if name="Name20" func="var" arg="dir" op="equ" val="norm">
+                  <dgm:constrLst>
+                    <dgm:constr type="h" refType="w" fact="0.35"/>
+                    <dgm:constr type="wArH" refType="h"/>
+                    <dgm:constr type="hArH" refType="h"/>
+                    <dgm:constr type="connDist"/>
+                    <dgm:constr type="diam" refType="connDist" fact="1.15"/>
+                    <dgm:constr type="begPad"/>
+                    <dgm:constr type="endPad"/>
+                  </dgm:constrLst>
+                </dgm:if>
+                <dgm:else name="Name21">
+                  <dgm:constrLst>
+                    <dgm:constr type="h" refType="w" fact="0.35"/>
+                    <dgm:constr type="wArH" refType="h"/>
+                    <dgm:constr type="hArH" refType="h"/>
+                    <dgm:constr type="connDist"/>
+                    <dgm:constr type="diam" refType="connDist" fact="-1.15"/>
+                    <dgm:constr type="begPad"/>
+                    <dgm:constr type="endPad"/>
+                  </dgm:constrLst>
+                </dgm:else>
+              </dgm:choose>
+              <dgm:ruleLst/>
+            </dgm:layoutNode>
+          </dgm:forEach>
+        </dgm:forEach>
+      </dgm:forEach>
+    </dgm:layoutNode>
+  </dgm:layoutNode>
+</dgm:layoutDef>
+</file>
+
 <file path=ppt/diagrams/quickStyle1.xml><?xml version="1.0" encoding="utf-8"?>
 <dgm:styleDef xmlns:dgm="http://schemas.openxmlformats.org/drawingml/2006/diagram" xmlns:a="http://schemas.openxmlformats.org/drawingml/2006/main" uniqueId="urn:microsoft.com/office/officeart/2005/8/quickstyle/simple1">
   <dgm:title val=""/>
@@ -9181,6 +11866,1040 @@
 </file>
 
 <file path=ppt/diagrams/quickStyle4.xml><?xml version="1.0" encoding="utf-8"?>
+<dgm:styleDef xmlns:dgm="http://schemas.openxmlformats.org/drawingml/2006/diagram" xmlns:a="http://schemas.openxmlformats.org/drawingml/2006/main" uniqueId="urn:microsoft.com/office/officeart/2005/8/quickstyle/simple1">
+  <dgm:title val=""/>
+  <dgm:desc val=""/>
+  <dgm:catLst>
+    <dgm:cat type="simple" pri="10100"/>
+  </dgm:catLst>
+  <dgm:scene3d>
+    <a:camera prst="orthographicFront"/>
+    <a:lightRig rig="threePt" dir="t"/>
+  </dgm:scene3d>
+  <dgm:styleLbl name="node0">
+    <dgm:scene3d>
+      <a:camera prst="orthographicFront"/>
+      <a:lightRig rig="threePt" dir="t"/>
+    </dgm:scene3d>
+    <dgm:sp3d/>
+    <dgm:txPr/>
+    <dgm:style>
+      <a:lnRef idx="2">
+        <a:scrgbClr r="0" g="0" b="0"/>
+      </a:lnRef>
+      <a:fillRef idx="1">
+        <a:scrgbClr r="0" g="0" b="0"/>
+      </a:fillRef>
+      <a:effectRef idx="0">
+        <a:scrgbClr r="0" g="0" b="0"/>
+      </a:effectRef>
+      <a:fontRef idx="minor">
+        <a:schemeClr val="lt1"/>
+      </a:fontRef>
+    </dgm:style>
+  </dgm:styleLbl>
+  <dgm:styleLbl name="lnNode1">
+    <dgm:scene3d>
+      <a:camera prst="orthographicFront"/>
+      <a:lightRig rig="threePt" dir="t"/>
+    </dgm:scene3d>
+    <dgm:sp3d/>
+    <dgm:txPr/>
+    <dgm:style>
+      <a:lnRef idx="2">
+        <a:scrgbClr r="0" g="0" b="0"/>
+      </a:lnRef>
+      <a:fillRef idx="1">
+        <a:scrgbClr r="0" g="0" b="0"/>
+      </a:fillRef>
+      <a:effectRef idx="0">
+        <a:scrgbClr r="0" g="0" b="0"/>
+      </a:effectRef>
+      <a:fontRef idx="minor">
+        <a:schemeClr val="lt1"/>
+      </a:fontRef>
+    </dgm:style>
+  </dgm:styleLbl>
+  <dgm:styleLbl name="vennNode1">
+    <dgm:scene3d>
+      <a:camera prst="orthographicFront"/>
+      <a:lightRig rig="threePt" dir="t"/>
+    </dgm:scene3d>
+    <dgm:sp3d/>
+    <dgm:txPr/>
+    <dgm:style>
+      <a:lnRef idx="2">
+        <a:scrgbClr r="0" g="0" b="0"/>
+      </a:lnRef>
+      <a:fillRef idx="1">
+        <a:scrgbClr r="0" g="0" b="0"/>
+      </a:fillRef>
+      <a:effectRef idx="0">
+        <a:scrgbClr r="0" g="0" b="0"/>
+      </a:effectRef>
+      <a:fontRef idx="minor">
+        <a:schemeClr val="tx1"/>
+      </a:fontRef>
+    </dgm:style>
+  </dgm:styleLbl>
+  <dgm:styleLbl name="alignNode1">
+    <dgm:scene3d>
+      <a:camera prst="orthographicFront"/>
+      <a:lightRig rig="threePt" dir="t"/>
+    </dgm:scene3d>
+    <dgm:sp3d/>
+    <dgm:txPr/>
+    <dgm:style>
+      <a:lnRef idx="2">
+        <a:scrgbClr r="0" g="0" b="0"/>
+      </a:lnRef>
+      <a:fillRef idx="1">
+        <a:scrgbClr r="0" g="0" b="0"/>
+      </a:fillRef>
+      <a:effectRef idx="0">
+        <a:scrgbClr r="0" g="0" b="0"/>
+      </a:effectRef>
+      <a:fontRef idx="minor">
+        <a:schemeClr val="lt1"/>
+      </a:fontRef>
+    </dgm:style>
+  </dgm:styleLbl>
+  <dgm:styleLbl name="node1">
+    <dgm:scene3d>
+      <a:camera prst="orthographicFront"/>
+      <a:lightRig rig="threePt" dir="t"/>
+    </dgm:scene3d>
+    <dgm:sp3d/>
+    <dgm:txPr/>
+    <dgm:style>
+      <a:lnRef idx="2">
+        <a:scrgbClr r="0" g="0" b="0"/>
+      </a:lnRef>
+      <a:fillRef idx="1">
+        <a:scrgbClr r="0" g="0" b="0"/>
+      </a:fillRef>
+      <a:effectRef idx="0">
+        <a:scrgbClr r="0" g="0" b="0"/>
+      </a:effectRef>
+      <a:fontRef idx="minor">
+        <a:schemeClr val="lt1"/>
+      </a:fontRef>
+    </dgm:style>
+  </dgm:styleLbl>
+  <dgm:styleLbl name="node2">
+    <dgm:scene3d>
+      <a:camera prst="orthographicFront"/>
+      <a:lightRig rig="threePt" dir="t"/>
+    </dgm:scene3d>
+    <dgm:sp3d/>
+    <dgm:txPr/>
+    <dgm:style>
+      <a:lnRef idx="2">
+        <a:scrgbClr r="0" g="0" b="0"/>
+      </a:lnRef>
+      <a:fillRef idx="1">
+        <a:scrgbClr r="0" g="0" b="0"/>
+      </a:fillRef>
+      <a:effectRef idx="0">
+        <a:scrgbClr r="0" g="0" b="0"/>
+      </a:effectRef>
+      <a:fontRef idx="minor">
+        <a:schemeClr val="lt1"/>
+      </a:fontRef>
+    </dgm:style>
+  </dgm:styleLbl>
+  <dgm:styleLbl name="node3">
+    <dgm:scene3d>
+      <a:camera prst="orthographicFront"/>
+      <a:lightRig rig="threePt" dir="t"/>
+    </dgm:scene3d>
+    <dgm:sp3d/>
+    <dgm:txPr/>
+    <dgm:style>
+      <a:lnRef idx="2">
+        <a:scrgbClr r="0" g="0" b="0"/>
+      </a:lnRef>
+      <a:fillRef idx="1">
+        <a:scrgbClr r="0" g="0" b="0"/>
+      </a:fillRef>
+      <a:effectRef idx="0">
+        <a:scrgbClr r="0" g="0" b="0"/>
+      </a:effectRef>
+      <a:fontRef idx="minor">
+        <a:schemeClr val="lt1"/>
+      </a:fontRef>
+    </dgm:style>
+  </dgm:styleLbl>
+  <dgm:styleLbl name="node4">
+    <dgm:scene3d>
+      <a:camera prst="orthographicFront"/>
+      <a:lightRig rig="threePt" dir="t"/>
+    </dgm:scene3d>
+    <dgm:sp3d/>
+    <dgm:txPr/>
+    <dgm:style>
+      <a:lnRef idx="2">
+        <a:scrgbClr r="0" g="0" b="0"/>
+      </a:lnRef>
+      <a:fillRef idx="1">
+        <a:scrgbClr r="0" g="0" b="0"/>
+      </a:fillRef>
+      <a:effectRef idx="0">
+        <a:scrgbClr r="0" g="0" b="0"/>
+      </a:effectRef>
+      <a:fontRef idx="minor">
+        <a:schemeClr val="lt1"/>
+      </a:fontRef>
+    </dgm:style>
+  </dgm:styleLbl>
+  <dgm:styleLbl name="fgImgPlace1">
+    <dgm:scene3d>
+      <a:camera prst="orthographicFront"/>
+      <a:lightRig rig="threePt" dir="t"/>
+    </dgm:scene3d>
+    <dgm:sp3d/>
+    <dgm:txPr/>
+    <dgm:style>
+      <a:lnRef idx="2">
+        <a:scrgbClr r="0" g="0" b="0"/>
+      </a:lnRef>
+      <a:fillRef idx="1">
+        <a:scrgbClr r="0" g="0" b="0"/>
+      </a:fillRef>
+      <a:effectRef idx="0">
+        <a:scrgbClr r="0" g="0" b="0"/>
+      </a:effectRef>
+      <a:fontRef idx="minor"/>
+    </dgm:style>
+  </dgm:styleLbl>
+  <dgm:styleLbl name="alignImgPlace1">
+    <dgm:scene3d>
+      <a:camera prst="orthographicFront"/>
+      <a:lightRig rig="threePt" dir="t"/>
+    </dgm:scene3d>
+    <dgm:sp3d/>
+    <dgm:txPr/>
+    <dgm:style>
+      <a:lnRef idx="2">
+        <a:scrgbClr r="0" g="0" b="0"/>
+      </a:lnRef>
+      <a:fillRef idx="1">
+        <a:scrgbClr r="0" g="0" b="0"/>
+      </a:fillRef>
+      <a:effectRef idx="0">
+        <a:scrgbClr r="0" g="0" b="0"/>
+      </a:effectRef>
+      <a:fontRef idx="minor"/>
+    </dgm:style>
+  </dgm:styleLbl>
+  <dgm:styleLbl name="bgImgPlace1">
+    <dgm:scene3d>
+      <a:camera prst="orthographicFront"/>
+      <a:lightRig rig="threePt" dir="t"/>
+    </dgm:scene3d>
+    <dgm:sp3d/>
+    <dgm:txPr/>
+    <dgm:style>
+      <a:lnRef idx="2">
+        <a:scrgbClr r="0" g="0" b="0"/>
+      </a:lnRef>
+      <a:fillRef idx="1">
+        <a:scrgbClr r="0" g="0" b="0"/>
+      </a:fillRef>
+      <a:effectRef idx="0">
+        <a:scrgbClr r="0" g="0" b="0"/>
+      </a:effectRef>
+      <a:fontRef idx="minor"/>
+    </dgm:style>
+  </dgm:styleLbl>
+  <dgm:styleLbl name="sibTrans2D1">
+    <dgm:scene3d>
+      <a:camera prst="orthographicFront"/>
+      <a:lightRig rig="threePt" dir="t"/>
+    </dgm:scene3d>
+    <dgm:sp3d/>
+    <dgm:txPr/>
+    <dgm:style>
+      <a:lnRef idx="0">
+        <a:scrgbClr r="0" g="0" b="0"/>
+      </a:lnRef>
+      <a:fillRef idx="1">
+        <a:scrgbClr r="0" g="0" b="0"/>
+      </a:fillRef>
+      <a:effectRef idx="0">
+        <a:scrgbClr r="0" g="0" b="0"/>
+      </a:effectRef>
+      <a:fontRef idx="minor">
+        <a:schemeClr val="lt1"/>
+      </a:fontRef>
+    </dgm:style>
+  </dgm:styleLbl>
+  <dgm:styleLbl name="fgSibTrans2D1">
+    <dgm:scene3d>
+      <a:camera prst="orthographicFront"/>
+      <a:lightRig rig="threePt" dir="t"/>
+    </dgm:scene3d>
+    <dgm:sp3d/>
+    <dgm:txPr/>
+    <dgm:style>
+      <a:lnRef idx="0">
+        <a:scrgbClr r="0" g="0" b="0"/>
+      </a:lnRef>
+      <a:fillRef idx="1">
+        <a:scrgbClr r="0" g="0" b="0"/>
+      </a:fillRef>
+      <a:effectRef idx="0">
+        <a:scrgbClr r="0" g="0" b="0"/>
+      </a:effectRef>
+      <a:fontRef idx="minor">
+        <a:schemeClr val="lt1"/>
+      </a:fontRef>
+    </dgm:style>
+  </dgm:styleLbl>
+  <dgm:styleLbl name="bgSibTrans2D1">
+    <dgm:scene3d>
+      <a:camera prst="orthographicFront"/>
+      <a:lightRig rig="threePt" dir="t"/>
+    </dgm:scene3d>
+    <dgm:sp3d/>
+    <dgm:txPr/>
+    <dgm:style>
+      <a:lnRef idx="0">
+        <a:scrgbClr r="0" g="0" b="0"/>
+      </a:lnRef>
+      <a:fillRef idx="1">
+        <a:scrgbClr r="0" g="0" b="0"/>
+      </a:fillRef>
+      <a:effectRef idx="0">
+        <a:scrgbClr r="0" g="0" b="0"/>
+      </a:effectRef>
+      <a:fontRef idx="minor">
+        <a:schemeClr val="lt1"/>
+      </a:fontRef>
+    </dgm:style>
+  </dgm:styleLbl>
+  <dgm:styleLbl name="sibTrans1D1">
+    <dgm:scene3d>
+      <a:camera prst="orthographicFront"/>
+      <a:lightRig rig="threePt" dir="t"/>
+    </dgm:scene3d>
+    <dgm:sp3d/>
+    <dgm:txPr/>
+    <dgm:style>
+      <a:lnRef idx="1">
+        <a:scrgbClr r="0" g="0" b="0"/>
+      </a:lnRef>
+      <a:fillRef idx="0">
+        <a:scrgbClr r="0" g="0" b="0"/>
+      </a:fillRef>
+      <a:effectRef idx="0">
+        <a:scrgbClr r="0" g="0" b="0"/>
+      </a:effectRef>
+      <a:fontRef idx="minor"/>
+    </dgm:style>
+  </dgm:styleLbl>
+  <dgm:styleLbl name="callout">
+    <dgm:scene3d>
+      <a:camera prst="orthographicFront"/>
+      <a:lightRig rig="threePt" dir="t"/>
+    </dgm:scene3d>
+    <dgm:sp3d/>
+    <dgm:txPr/>
+    <dgm:style>
+      <a:lnRef idx="2">
+        <a:scrgbClr r="0" g="0" b="0"/>
+      </a:lnRef>
+      <a:fillRef idx="1">
+        <a:scrgbClr r="0" g="0" b="0"/>
+      </a:fillRef>
+      <a:effectRef idx="0">
+        <a:scrgbClr r="0" g="0" b="0"/>
+      </a:effectRef>
+      <a:fontRef idx="minor"/>
+    </dgm:style>
+  </dgm:styleLbl>
+  <dgm:styleLbl name="asst0">
+    <dgm:scene3d>
+      <a:camera prst="orthographicFront"/>
+      <a:lightRig rig="threePt" dir="t"/>
+    </dgm:scene3d>
+    <dgm:sp3d/>
+    <dgm:txPr/>
+    <dgm:style>
+      <a:lnRef idx="2">
+        <a:scrgbClr r="0" g="0" b="0"/>
+      </a:lnRef>
+      <a:fillRef idx="1">
+        <a:scrgbClr r="0" g="0" b="0"/>
+      </a:fillRef>
+      <a:effectRef idx="0">
+        <a:scrgbClr r="0" g="0" b="0"/>
+      </a:effectRef>
+      <a:fontRef idx="minor">
+        <a:schemeClr val="lt1"/>
+      </a:fontRef>
+    </dgm:style>
+  </dgm:styleLbl>
+  <dgm:styleLbl name="asst1">
+    <dgm:scene3d>
+      <a:camera prst="orthographicFront"/>
+      <a:lightRig rig="threePt" dir="t"/>
+    </dgm:scene3d>
+    <dgm:sp3d/>
+    <dgm:txPr/>
+    <dgm:style>
+      <a:lnRef idx="2">
+        <a:scrgbClr r="0" g="0" b="0"/>
+      </a:lnRef>
+      <a:fillRef idx="1">
+        <a:scrgbClr r="0" g="0" b="0"/>
+      </a:fillRef>
+      <a:effectRef idx="0">
+        <a:scrgbClr r="0" g="0" b="0"/>
+      </a:effectRef>
+      <a:fontRef idx="minor">
+        <a:schemeClr val="lt1"/>
+      </a:fontRef>
+    </dgm:style>
+  </dgm:styleLbl>
+  <dgm:styleLbl name="asst2">
+    <dgm:scene3d>
+      <a:camera prst="orthographicFront"/>
+      <a:lightRig rig="threePt" dir="t"/>
+    </dgm:scene3d>
+    <dgm:sp3d/>
+    <dgm:txPr/>
+    <dgm:style>
+      <a:lnRef idx="2">
+        <a:scrgbClr r="0" g="0" b="0"/>
+      </a:lnRef>
+      <a:fillRef idx="1">
+        <a:scrgbClr r="0" g="0" b="0"/>
+      </a:fillRef>
+      <a:effectRef idx="0">
+        <a:scrgbClr r="0" g="0" b="0"/>
+      </a:effectRef>
+      <a:fontRef idx="minor">
+        <a:schemeClr val="lt1"/>
+      </a:fontRef>
+    </dgm:style>
+  </dgm:styleLbl>
+  <dgm:styleLbl name="asst3">
+    <dgm:scene3d>
+      <a:camera prst="orthographicFront"/>
+      <a:lightRig rig="threePt" dir="t"/>
+    </dgm:scene3d>
+    <dgm:sp3d/>
+    <dgm:txPr/>
+    <dgm:style>
+      <a:lnRef idx="2">
+        <a:scrgbClr r="0" g="0" b="0"/>
+      </a:lnRef>
+      <a:fillRef idx="1">
+        <a:scrgbClr r="0" g="0" b="0"/>
+      </a:fillRef>
+      <a:effectRef idx="0">
+        <a:scrgbClr r="0" g="0" b="0"/>
+      </a:effectRef>
+      <a:fontRef idx="minor">
+        <a:schemeClr val="lt1"/>
+      </a:fontRef>
+    </dgm:style>
+  </dgm:styleLbl>
+  <dgm:styleLbl name="asst4">
+    <dgm:scene3d>
+      <a:camera prst="orthographicFront"/>
+      <a:lightRig rig="threePt" dir="t"/>
+    </dgm:scene3d>
+    <dgm:sp3d/>
+    <dgm:txPr/>
+    <dgm:style>
+      <a:lnRef idx="2">
+        <a:scrgbClr r="0" g="0" b="0"/>
+      </a:lnRef>
+      <a:fillRef idx="1">
+        <a:scrgbClr r="0" g="0" b="0"/>
+      </a:fillRef>
+      <a:effectRef idx="0">
+        <a:scrgbClr r="0" g="0" b="0"/>
+      </a:effectRef>
+      <a:fontRef idx="minor">
+        <a:schemeClr val="lt1"/>
+      </a:fontRef>
+    </dgm:style>
+  </dgm:styleLbl>
+  <dgm:styleLbl name="parChTrans2D1">
+    <dgm:scene3d>
+      <a:camera prst="orthographicFront"/>
+      <a:lightRig rig="threePt" dir="t"/>
+    </dgm:scene3d>
+    <dgm:sp3d/>
+    <dgm:txPr/>
+    <dgm:style>
+      <a:lnRef idx="2">
+        <a:scrgbClr r="0" g="0" b="0"/>
+      </a:lnRef>
+      <a:fillRef idx="1">
+        <a:scrgbClr r="0" g="0" b="0"/>
+      </a:fillRef>
+      <a:effectRef idx="0">
+        <a:scrgbClr r="0" g="0" b="0"/>
+      </a:effectRef>
+      <a:fontRef idx="minor">
+        <a:schemeClr val="lt1"/>
+      </a:fontRef>
+    </dgm:style>
+  </dgm:styleLbl>
+  <dgm:styleLbl name="parChTrans2D2">
+    <dgm:scene3d>
+      <a:camera prst="orthographicFront"/>
+      <a:lightRig rig="threePt" dir="t"/>
+    </dgm:scene3d>
+    <dgm:sp3d/>
+    <dgm:txPr/>
+    <dgm:style>
+      <a:lnRef idx="2">
+        <a:scrgbClr r="0" g="0" b="0"/>
+      </a:lnRef>
+      <a:fillRef idx="1">
+        <a:scrgbClr r="0" g="0" b="0"/>
+      </a:fillRef>
+      <a:effectRef idx="0">
+        <a:scrgbClr r="0" g="0" b="0"/>
+      </a:effectRef>
+      <a:fontRef idx="minor">
+        <a:schemeClr val="lt1"/>
+      </a:fontRef>
+    </dgm:style>
+  </dgm:styleLbl>
+  <dgm:styleLbl name="parChTrans2D3">
+    <dgm:scene3d>
+      <a:camera prst="orthographicFront"/>
+      <a:lightRig rig="threePt" dir="t"/>
+    </dgm:scene3d>
+    <dgm:sp3d/>
+    <dgm:txPr/>
+    <dgm:style>
+      <a:lnRef idx="2">
+        <a:scrgbClr r="0" g="0" b="0"/>
+      </a:lnRef>
+      <a:fillRef idx="1">
+        <a:scrgbClr r="0" g="0" b="0"/>
+      </a:fillRef>
+      <a:effectRef idx="0">
+        <a:scrgbClr r="0" g="0" b="0"/>
+      </a:effectRef>
+      <a:fontRef idx="minor">
+        <a:schemeClr val="lt1"/>
+      </a:fontRef>
+    </dgm:style>
+  </dgm:styleLbl>
+  <dgm:styleLbl name="parChTrans2D4">
+    <dgm:scene3d>
+      <a:camera prst="orthographicFront"/>
+      <a:lightRig rig="threePt" dir="t"/>
+    </dgm:scene3d>
+    <dgm:sp3d/>
+    <dgm:txPr/>
+    <dgm:style>
+      <a:lnRef idx="2">
+        <a:scrgbClr r="0" g="0" b="0"/>
+      </a:lnRef>
+      <a:fillRef idx="1">
+        <a:scrgbClr r="0" g="0" b="0"/>
+      </a:fillRef>
+      <a:effectRef idx="0">
+        <a:scrgbClr r="0" g="0" b="0"/>
+      </a:effectRef>
+      <a:fontRef idx="minor">
+        <a:schemeClr val="lt1"/>
+      </a:fontRef>
+    </dgm:style>
+  </dgm:styleLbl>
+  <dgm:styleLbl name="parChTrans1D1">
+    <dgm:scene3d>
+      <a:camera prst="orthographicFront"/>
+      <a:lightRig rig="threePt" dir="t"/>
+    </dgm:scene3d>
+    <dgm:sp3d/>
+    <dgm:txPr/>
+    <dgm:style>
+      <a:lnRef idx="2">
+        <a:scrgbClr r="0" g="0" b="0"/>
+      </a:lnRef>
+      <a:fillRef idx="0">
+        <a:scrgbClr r="0" g="0" b="0"/>
+      </a:fillRef>
+      <a:effectRef idx="0">
+        <a:scrgbClr r="0" g="0" b="0"/>
+      </a:effectRef>
+      <a:fontRef idx="minor"/>
+    </dgm:style>
+  </dgm:styleLbl>
+  <dgm:styleLbl name="parChTrans1D2">
+    <dgm:scene3d>
+      <a:camera prst="orthographicFront"/>
+      <a:lightRig rig="threePt" dir="t"/>
+    </dgm:scene3d>
+    <dgm:sp3d/>
+    <dgm:txPr/>
+    <dgm:style>
+      <a:lnRef idx="2">
+        <a:scrgbClr r="0" g="0" b="0"/>
+      </a:lnRef>
+      <a:fillRef idx="0">
+        <a:scrgbClr r="0" g="0" b="0"/>
+      </a:fillRef>
+      <a:effectRef idx="0">
+        <a:scrgbClr r="0" g="0" b="0"/>
+      </a:effectRef>
+      <a:fontRef idx="minor"/>
+    </dgm:style>
+  </dgm:styleLbl>
+  <dgm:styleLbl name="parChTrans1D3">
+    <dgm:scene3d>
+      <a:camera prst="orthographicFront"/>
+      <a:lightRig rig="threePt" dir="t"/>
+    </dgm:scene3d>
+    <dgm:sp3d/>
+    <dgm:txPr/>
+    <dgm:style>
+      <a:lnRef idx="2">
+        <a:scrgbClr r="0" g="0" b="0"/>
+      </a:lnRef>
+      <a:fillRef idx="0">
+        <a:scrgbClr r="0" g="0" b="0"/>
+      </a:fillRef>
+      <a:effectRef idx="0">
+        <a:scrgbClr r="0" g="0" b="0"/>
+      </a:effectRef>
+      <a:fontRef idx="minor"/>
+    </dgm:style>
+  </dgm:styleLbl>
+  <dgm:styleLbl name="parChTrans1D4">
+    <dgm:scene3d>
+      <a:camera prst="orthographicFront"/>
+      <a:lightRig rig="threePt" dir="t"/>
+    </dgm:scene3d>
+    <dgm:sp3d/>
+    <dgm:txPr/>
+    <dgm:style>
+      <a:lnRef idx="2">
+        <a:scrgbClr r="0" g="0" b="0"/>
+      </a:lnRef>
+      <a:fillRef idx="0">
+        <a:scrgbClr r="0" g="0" b="0"/>
+      </a:fillRef>
+      <a:effectRef idx="0">
+        <a:scrgbClr r="0" g="0" b="0"/>
+      </a:effectRef>
+      <a:fontRef idx="minor"/>
+    </dgm:style>
+  </dgm:styleLbl>
+  <dgm:styleLbl name="fgAcc1">
+    <dgm:scene3d>
+      <a:camera prst="orthographicFront"/>
+      <a:lightRig rig="threePt" dir="t"/>
+    </dgm:scene3d>
+    <dgm:sp3d/>
+    <dgm:txPr/>
+    <dgm:style>
+      <a:lnRef idx="2">
+        <a:scrgbClr r="0" g="0" b="0"/>
+      </a:lnRef>
+      <a:fillRef idx="1">
+        <a:scrgbClr r="0" g="0" b="0"/>
+      </a:fillRef>
+      <a:effectRef idx="0">
+        <a:scrgbClr r="0" g="0" b="0"/>
+      </a:effectRef>
+      <a:fontRef idx="minor"/>
+    </dgm:style>
+  </dgm:styleLbl>
+  <dgm:styleLbl name="conFgAcc1">
+    <dgm:scene3d>
+      <a:camera prst="orthographicFront"/>
+      <a:lightRig rig="threePt" dir="t"/>
+    </dgm:scene3d>
+    <dgm:sp3d/>
+    <dgm:txPr/>
+    <dgm:style>
+      <a:lnRef idx="2">
+        <a:scrgbClr r="0" g="0" b="0"/>
+      </a:lnRef>
+      <a:fillRef idx="1">
+        <a:scrgbClr r="0" g="0" b="0"/>
+      </a:fillRef>
+      <a:effectRef idx="0">
+        <a:scrgbClr r="0" g="0" b="0"/>
+      </a:effectRef>
+      <a:fontRef idx="minor"/>
+    </dgm:style>
+  </dgm:styleLbl>
+  <dgm:styleLbl name="alignAcc1">
+    <dgm:scene3d>
+      <a:camera prst="orthographicFront"/>
+      <a:lightRig rig="threePt" dir="t"/>
+    </dgm:scene3d>
+    <dgm:sp3d/>
+    <dgm:txPr/>
+    <dgm:style>
+      <a:lnRef idx="2">
+        <a:scrgbClr r="0" g="0" b="0"/>
+      </a:lnRef>
+      <a:fillRef idx="1">
+        <a:scrgbClr r="0" g="0" b="0"/>
+      </a:fillRef>
+      <a:effectRef idx="0">
+        <a:scrgbClr r="0" g="0" b="0"/>
+      </a:effectRef>
+      <a:fontRef idx="minor"/>
+    </dgm:style>
+  </dgm:styleLbl>
+  <dgm:styleLbl name="trAlignAcc1">
+    <dgm:scene3d>
+      <a:camera prst="orthographicFront"/>
+      <a:lightRig rig="threePt" dir="t"/>
+    </dgm:scene3d>
+    <dgm:sp3d/>
+    <dgm:txPr/>
+    <dgm:style>
+      <a:lnRef idx="1">
+        <a:scrgbClr r="0" g="0" b="0"/>
+      </a:lnRef>
+      <a:fillRef idx="1">
+        <a:scrgbClr r="0" g="0" b="0"/>
+      </a:fillRef>
+      <a:effectRef idx="0">
+        <a:scrgbClr r="0" g="0" b="0"/>
+      </a:effectRef>
+      <a:fontRef idx="minor"/>
+    </dgm:style>
+  </dgm:styleLbl>
+  <dgm:styleLbl name="bgAcc1">
+    <dgm:scene3d>
+      <a:camera prst="orthographicFront"/>
+      <a:lightRig rig="threePt" dir="t"/>
+    </dgm:scene3d>
+    <dgm:sp3d/>
+    <dgm:txPr/>
+    <dgm:style>
+      <a:lnRef idx="2">
+        <a:scrgbClr r="0" g="0" b="0"/>
+      </a:lnRef>
+      <a:fillRef idx="1">
+        <a:scrgbClr r="0" g="0" b="0"/>
+      </a:fillRef>
+      <a:effectRef idx="0">
+        <a:scrgbClr r="0" g="0" b="0"/>
+      </a:effectRef>
+      <a:fontRef idx="minor"/>
+    </dgm:style>
+  </dgm:styleLbl>
+  <dgm:styleLbl name="solidFgAcc1">
+    <dgm:scene3d>
+      <a:camera prst="orthographicFront"/>
+      <a:lightRig rig="threePt" dir="t"/>
+    </dgm:scene3d>
+    <dgm:sp3d/>
+    <dgm:txPr/>
+    <dgm:style>
+      <a:lnRef idx="2">
+        <a:scrgbClr r="0" g="0" b="0"/>
+      </a:lnRef>
+      <a:fillRef idx="1">
+        <a:scrgbClr r="0" g="0" b="0"/>
+      </a:fillRef>
+      <a:effectRef idx="0">
+        <a:scrgbClr r="0" g="0" b="0"/>
+      </a:effectRef>
+      <a:fontRef idx="minor"/>
+    </dgm:style>
+  </dgm:styleLbl>
+  <dgm:styleLbl name="solidAlignAcc1">
+    <dgm:scene3d>
+      <a:camera prst="orthographicFront"/>
+      <a:lightRig rig="threePt" dir="t"/>
+    </dgm:scene3d>
+    <dgm:sp3d/>
+    <dgm:txPr/>
+    <dgm:style>
+      <a:lnRef idx="2">
+        <a:scrgbClr r="0" g="0" b="0"/>
+      </a:lnRef>
+      <a:fillRef idx="1">
+        <a:scrgbClr r="0" g="0" b="0"/>
+      </a:fillRef>
+      <a:effectRef idx="0">
+        <a:scrgbClr r="0" g="0" b="0"/>
+      </a:effectRef>
+      <a:fontRef idx="minor"/>
+    </dgm:style>
+  </dgm:styleLbl>
+  <dgm:styleLbl name="solidBgAcc1">
+    <dgm:scene3d>
+      <a:camera prst="orthographicFront"/>
+      <a:lightRig rig="threePt" dir="t"/>
+    </dgm:scene3d>
+    <dgm:sp3d/>
+    <dgm:txPr/>
+    <dgm:style>
+      <a:lnRef idx="2">
+        <a:scrgbClr r="0" g="0" b="0"/>
+      </a:lnRef>
+      <a:fillRef idx="1">
+        <a:scrgbClr r="0" g="0" b="0"/>
+      </a:fillRef>
+      <a:effectRef idx="0">
+        <a:scrgbClr r="0" g="0" b="0"/>
+      </a:effectRef>
+      <a:fontRef idx="minor"/>
+    </dgm:style>
+  </dgm:styleLbl>
+  <dgm:styleLbl name="fgAccFollowNode1">
+    <dgm:scene3d>
+      <a:camera prst="orthographicFront"/>
+      <a:lightRig rig="threePt" dir="t"/>
+    </dgm:scene3d>
+    <dgm:sp3d/>
+    <dgm:txPr/>
+    <dgm:style>
+      <a:lnRef idx="2">
+        <a:scrgbClr r="0" g="0" b="0"/>
+      </a:lnRef>
+      <a:fillRef idx="1">
+        <a:scrgbClr r="0" g="0" b="0"/>
+      </a:fillRef>
+      <a:effectRef idx="0">
+        <a:scrgbClr r="0" g="0" b="0"/>
+      </a:effectRef>
+      <a:fontRef idx="minor"/>
+    </dgm:style>
+  </dgm:styleLbl>
+  <dgm:styleLbl name="alignAccFollowNode1">
+    <dgm:scene3d>
+      <a:camera prst="orthographicFront"/>
+      <a:lightRig rig="threePt" dir="t"/>
+    </dgm:scene3d>
+    <dgm:sp3d/>
+    <dgm:txPr/>
+    <dgm:style>
+      <a:lnRef idx="2">
+        <a:scrgbClr r="0" g="0" b="0"/>
+      </a:lnRef>
+      <a:fillRef idx="1">
+        <a:scrgbClr r="0" g="0" b="0"/>
+      </a:fillRef>
+      <a:effectRef idx="0">
+        <a:scrgbClr r="0" g="0" b="0"/>
+      </a:effectRef>
+      <a:fontRef idx="minor"/>
+    </dgm:style>
+  </dgm:styleLbl>
+  <dgm:styleLbl name="bgAccFollowNode1">
+    <dgm:scene3d>
+      <a:camera prst="orthographicFront"/>
+      <a:lightRig rig="threePt" dir="t"/>
+    </dgm:scene3d>
+    <dgm:sp3d/>
+    <dgm:txPr/>
+    <dgm:style>
+      <a:lnRef idx="2">
+        <a:scrgbClr r="0" g="0" b="0"/>
+      </a:lnRef>
+      <a:fillRef idx="1">
+        <a:scrgbClr r="0" g="0" b="0"/>
+      </a:fillRef>
+      <a:effectRef idx="0">
+        <a:scrgbClr r="0" g="0" b="0"/>
+      </a:effectRef>
+      <a:fontRef idx="minor"/>
+    </dgm:style>
+  </dgm:styleLbl>
+  <dgm:styleLbl name="fgAcc0">
+    <dgm:scene3d>
+      <a:camera prst="orthographicFront"/>
+      <a:lightRig rig="threePt" dir="t"/>
+    </dgm:scene3d>
+    <dgm:sp3d/>
+    <dgm:txPr/>
+    <dgm:style>
+      <a:lnRef idx="2">
+        <a:scrgbClr r="0" g="0" b="0"/>
+      </a:lnRef>
+      <a:fillRef idx="1">
+        <a:scrgbClr r="0" g="0" b="0"/>
+      </a:fillRef>
+      <a:effectRef idx="0">
+        <a:scrgbClr r="0" g="0" b="0"/>
+      </a:effectRef>
+      <a:fontRef idx="minor"/>
+    </dgm:style>
+  </dgm:styleLbl>
+  <dgm:styleLbl name="fgAcc2">
+    <dgm:scene3d>
+      <a:camera prst="orthographicFront"/>
+      <a:lightRig rig="threePt" dir="t"/>
+    </dgm:scene3d>
+    <dgm:sp3d/>
+    <dgm:txPr/>
+    <dgm:style>
+      <a:lnRef idx="2">
+        <a:scrgbClr r="0" g="0" b="0"/>
+      </a:lnRef>
+      <a:fillRef idx="1">
+        <a:scrgbClr r="0" g="0" b="0"/>
+      </a:fillRef>
+      <a:effectRef idx="0">
+        <a:scrgbClr r="0" g="0" b="0"/>
+      </a:effectRef>
+      <a:fontRef idx="minor"/>
+    </dgm:style>
+  </dgm:styleLbl>
+  <dgm:styleLbl name="fgAcc3">
+    <dgm:scene3d>
+      <a:camera prst="orthographicFront"/>
+      <a:lightRig rig="threePt" dir="t"/>
+    </dgm:scene3d>
+    <dgm:sp3d/>
+    <dgm:txPr/>
+    <dgm:style>
+      <a:lnRef idx="2">
+        <a:scrgbClr r="0" g="0" b="0"/>
+      </a:lnRef>
+      <a:fillRef idx="1">
+        <a:scrgbClr r="0" g="0" b="0"/>
+      </a:fillRef>
+      <a:effectRef idx="0">
+        <a:scrgbClr r="0" g="0" b="0"/>
+      </a:effectRef>
+      <a:fontRef idx="minor"/>
+    </dgm:style>
+  </dgm:styleLbl>
+  <dgm:styleLbl name="fgAcc4">
+    <dgm:scene3d>
+      <a:camera prst="orthographicFront"/>
+      <a:lightRig rig="threePt" dir="t"/>
+    </dgm:scene3d>
+    <dgm:sp3d/>
+    <dgm:txPr/>
+    <dgm:style>
+      <a:lnRef idx="2">
+        <a:scrgbClr r="0" g="0" b="0"/>
+      </a:lnRef>
+      <a:fillRef idx="1">
+        <a:scrgbClr r="0" g="0" b="0"/>
+      </a:fillRef>
+      <a:effectRef idx="0">
+        <a:scrgbClr r="0" g="0" b="0"/>
+      </a:effectRef>
+      <a:fontRef idx="minor"/>
+    </dgm:style>
+  </dgm:styleLbl>
+  <dgm:styleLbl name="bgShp">
+    <dgm:scene3d>
+      <a:camera prst="orthographicFront"/>
+      <a:lightRig rig="threePt" dir="t"/>
+    </dgm:scene3d>
+    <dgm:sp3d/>
+    <dgm:txPr/>
+    <dgm:style>
+      <a:lnRef idx="0">
+        <a:scrgbClr r="0" g="0" b="0"/>
+      </a:lnRef>
+      <a:fillRef idx="1">
+        <a:scrgbClr r="0" g="0" b="0"/>
+      </a:fillRef>
+      <a:effectRef idx="0">
+        <a:scrgbClr r="0" g="0" b="0"/>
+      </a:effectRef>
+      <a:fontRef idx="minor"/>
+    </dgm:style>
+  </dgm:styleLbl>
+  <dgm:styleLbl name="dkBgShp">
+    <dgm:scene3d>
+      <a:camera prst="orthographicFront"/>
+      <a:lightRig rig="threePt" dir="t"/>
+    </dgm:scene3d>
+    <dgm:sp3d/>
+    <dgm:txPr/>
+    <dgm:style>
+      <a:lnRef idx="0">
+        <a:scrgbClr r="0" g="0" b="0"/>
+      </a:lnRef>
+      <a:fillRef idx="1">
+        <a:scrgbClr r="0" g="0" b="0"/>
+      </a:fillRef>
+      <a:effectRef idx="0">
+        <a:scrgbClr r="0" g="0" b="0"/>
+      </a:effectRef>
+      <a:fontRef idx="minor"/>
+    </dgm:style>
+  </dgm:styleLbl>
+  <dgm:styleLbl name="trBgShp">
+    <dgm:scene3d>
+      <a:camera prst="orthographicFront"/>
+      <a:lightRig rig="threePt" dir="t"/>
+    </dgm:scene3d>
+    <dgm:sp3d/>
+    <dgm:txPr/>
+    <dgm:style>
+      <a:lnRef idx="0">
+        <a:scrgbClr r="0" g="0" b="0"/>
+      </a:lnRef>
+      <a:fillRef idx="1">
+        <a:scrgbClr r="0" g="0" b="0"/>
+      </a:fillRef>
+      <a:effectRef idx="0">
+        <a:scrgbClr r="0" g="0" b="0"/>
+      </a:effectRef>
+      <a:fontRef idx="minor"/>
+    </dgm:style>
+  </dgm:styleLbl>
+  <dgm:styleLbl name="fgShp">
+    <dgm:scene3d>
+      <a:camera prst="orthographicFront"/>
+      <a:lightRig rig="threePt" dir="t"/>
+    </dgm:scene3d>
+    <dgm:sp3d/>
+    <dgm:txPr/>
+    <dgm:style>
+      <a:lnRef idx="2">
+        <a:scrgbClr r="0" g="0" b="0"/>
+      </a:lnRef>
+      <a:fillRef idx="1">
+        <a:scrgbClr r="0" g="0" b="0"/>
+      </a:fillRef>
+      <a:effectRef idx="0">
+        <a:scrgbClr r="0" g="0" b="0"/>
+      </a:effectRef>
+      <a:fontRef idx="minor"/>
+    </dgm:style>
+  </dgm:styleLbl>
+  <dgm:styleLbl name="revTx">
+    <dgm:scene3d>
+      <a:camera prst="orthographicFront"/>
+      <a:lightRig rig="threePt" dir="t"/>
+    </dgm:scene3d>
+    <dgm:sp3d/>
+    <dgm:txPr/>
+    <dgm:style>
+      <a:lnRef idx="0">
+        <a:scrgbClr r="0" g="0" b="0"/>
+      </a:lnRef>
+      <a:fillRef idx="0">
+        <a:scrgbClr r="0" g="0" b="0"/>
+      </a:fillRef>
+      <a:effectRef idx="0">
+        <a:scrgbClr r="0" g="0" b="0"/>
+      </a:effectRef>
+      <a:fontRef idx="minor"/>
+    </dgm:style>
+  </dgm:styleLbl>
+</dgm:styleDef>
+</file>
+
+<file path=ppt/diagrams/quickStyle5.xml><?xml version="1.0" encoding="utf-8"?>
 <dgm:styleDef xmlns:dgm="http://schemas.openxmlformats.org/drawingml/2006/diagram" xmlns:a="http://schemas.openxmlformats.org/drawingml/2006/main" uniqueId="urn:microsoft.com/office/officeart/2005/8/quickstyle/simple1">
   <dgm:title val=""/>
   <dgm:desc val=""/>
@@ -10345,7 +14064,7 @@
           <a:p>
             <a:fld id="{D78D8203-B452-4E27-B1E6-25376FD98C33}" type="datetimeFigureOut">
               <a:rPr lang="en-US" smtClean="0"/>
-              <a:t>3/4/2017</a:t>
+              <a:t>3/6/2017</a:t>
             </a:fld>
             <a:endParaRPr lang="en-US"/>
           </a:p>
@@ -10522,7 +14241,7 @@
           <a:p>
             <a:fld id="{D78D8203-B452-4E27-B1E6-25376FD98C33}" type="datetimeFigureOut">
               <a:rPr lang="en-US" smtClean="0"/>
-              <a:t>3/4/2017</a:t>
+              <a:t>3/6/2017</a:t>
             </a:fld>
             <a:endParaRPr lang="en-US"/>
           </a:p>
@@ -10702,7 +14421,7 @@
           <a:p>
             <a:fld id="{D78D8203-B452-4E27-B1E6-25376FD98C33}" type="datetimeFigureOut">
               <a:rPr lang="en-US" smtClean="0"/>
-              <a:t>3/4/2017</a:t>
+              <a:t>3/6/2017</a:t>
             </a:fld>
             <a:endParaRPr lang="en-US"/>
           </a:p>
@@ -10872,7 +14591,7 @@
           <a:p>
             <a:fld id="{D78D8203-B452-4E27-B1E6-25376FD98C33}" type="datetimeFigureOut">
               <a:rPr lang="en-US" smtClean="0"/>
-              <a:t>3/4/2017</a:t>
+              <a:t>3/6/2017</a:t>
             </a:fld>
             <a:endParaRPr lang="en-US"/>
           </a:p>
@@ -11125,7 +14844,7 @@
           <a:p>
             <a:fld id="{D78D8203-B452-4E27-B1E6-25376FD98C33}" type="datetimeFigureOut">
               <a:rPr lang="en-US" smtClean="0"/>
-              <a:t>3/4/2017</a:t>
+              <a:t>3/6/2017</a:t>
             </a:fld>
             <a:endParaRPr lang="en-US"/>
           </a:p>
@@ -11364,7 +15083,7 @@
           <a:p>
             <a:fld id="{D78D8203-B452-4E27-B1E6-25376FD98C33}" type="datetimeFigureOut">
               <a:rPr lang="en-US" smtClean="0"/>
-              <a:t>3/4/2017</a:t>
+              <a:t>3/6/2017</a:t>
             </a:fld>
             <a:endParaRPr lang="en-US"/>
           </a:p>
@@ -11731,7 +15450,7 @@
           <a:p>
             <a:fld id="{D78D8203-B452-4E27-B1E6-25376FD98C33}" type="datetimeFigureOut">
               <a:rPr lang="en-US" smtClean="0"/>
-              <a:t>3/4/2017</a:t>
+              <a:t>3/6/2017</a:t>
             </a:fld>
             <a:endParaRPr lang="en-US"/>
           </a:p>
@@ -11849,7 +15568,7 @@
           <a:p>
             <a:fld id="{D78D8203-B452-4E27-B1E6-25376FD98C33}" type="datetimeFigureOut">
               <a:rPr lang="en-US" smtClean="0"/>
-              <a:t>3/4/2017</a:t>
+              <a:t>3/6/2017</a:t>
             </a:fld>
             <a:endParaRPr lang="en-US"/>
           </a:p>
@@ -11944,7 +15663,7 @@
           <a:p>
             <a:fld id="{D78D8203-B452-4E27-B1E6-25376FD98C33}" type="datetimeFigureOut">
               <a:rPr lang="en-US" smtClean="0"/>
-              <a:t>3/4/2017</a:t>
+              <a:t>3/6/2017</a:t>
             </a:fld>
             <a:endParaRPr lang="en-US"/>
           </a:p>
@@ -12221,7 +15940,7 @@
           <a:p>
             <a:fld id="{D78D8203-B452-4E27-B1E6-25376FD98C33}" type="datetimeFigureOut">
               <a:rPr lang="en-US" smtClean="0"/>
-              <a:t>3/4/2017</a:t>
+              <a:t>3/6/2017</a:t>
             </a:fld>
             <a:endParaRPr lang="en-US"/>
           </a:p>
@@ -12474,7 +16193,7 @@
           <a:p>
             <a:fld id="{D78D8203-B452-4E27-B1E6-25376FD98C33}" type="datetimeFigureOut">
               <a:rPr lang="en-US" smtClean="0"/>
-              <a:t>3/4/2017</a:t>
+              <a:t>3/6/2017</a:t>
             </a:fld>
             <a:endParaRPr lang="en-US"/>
           </a:p>
@@ -12693,7 +16412,7 @@
           <a:p>
             <a:fld id="{D78D8203-B452-4E27-B1E6-25376FD98C33}" type="datetimeFigureOut">
               <a:rPr lang="en-US" smtClean="0"/>
-              <a:t>3/4/2017</a:t>
+              <a:t>3/6/2017</a:t>
             </a:fld>
             <a:endParaRPr lang="en-US"/>
           </a:p>
@@ -13886,7 +17605,7 @@
           <p:nvPr>
             <p:extLst>
               <p:ext uri="{D42A27DB-BD31-4B8C-83A1-F6EECF244321}">
-                <p14:modId xmlns:p14="http://schemas.microsoft.com/office/powerpoint/2010/main" val="2931779354"/>
+                <p14:modId xmlns:p14="http://schemas.microsoft.com/office/powerpoint/2010/main" val="3732813757"/>
               </p:ext>
             </p:extLst>
           </p:nvPr>
@@ -14267,7 +17986,7 @@
             <a:spLocks noGrp="1"/>
           </p:cNvSpPr>
           <p:nvPr>
-            <p:ph type="ctrTitle"/>
+            <p:ph type="title"/>
           </p:nvPr>
         </p:nvSpPr>
         <p:spPr/>
@@ -14275,6 +17994,7 @@
           <a:bodyPr/>
           <a:lstStyle/>
           <a:p>
+            <a:pPr algn="ctr"/>
             <a:r>
               <a:rPr lang="en-US" dirty="0" smtClean="0"/>
               <a:t>Demo</a:t>
@@ -14283,22 +18003,226 @@
           </a:p>
         </p:txBody>
       </p:sp>
+      <p:graphicFrame>
+        <p:nvGraphicFramePr>
+          <p:cNvPr id="9" name="Content Placeholder 8"/>
+          <p:cNvGraphicFramePr>
+            <a:graphicFrameLocks noGrp="1"/>
+          </p:cNvGraphicFramePr>
+          <p:nvPr>
+            <p:ph idx="1"/>
+            <p:extLst>
+              <p:ext uri="{D42A27DB-BD31-4B8C-83A1-F6EECF244321}">
+                <p14:modId xmlns:p14="http://schemas.microsoft.com/office/powerpoint/2010/main" val="1890834290"/>
+              </p:ext>
+            </p:extLst>
+          </p:nvPr>
+        </p:nvGraphicFramePr>
+        <p:xfrm>
+          <a:off x="838200" y="1825625"/>
+          <a:ext cx="10515600" cy="4351338"/>
+        </p:xfrm>
+        <a:graphic>
+          <a:graphicData uri="http://schemas.openxmlformats.org/drawingml/2006/diagram">
+            <dgm:relIds xmlns:dgm="http://schemas.openxmlformats.org/drawingml/2006/diagram" xmlns:r="http://schemas.openxmlformats.org/officeDocument/2006/relationships" r:dm="rId2" r:lo="rId3" r:qs="rId4" r:cs="rId5"/>
+          </a:graphicData>
+        </a:graphic>
+      </p:graphicFrame>
       <p:sp>
         <p:nvSpPr>
-          <p:cNvPr id="3" name="Subtitle 2"/>
-          <p:cNvSpPr>
-            <a:spLocks noGrp="1"/>
-          </p:cNvSpPr>
-          <p:nvPr>
-            <p:ph type="subTitle" idx="1"/>
-          </p:nvPr>
+          <p:cNvPr id="10" name="TextBox 9"/>
+          <p:cNvSpPr txBox="1"/>
+          <p:nvPr/>
         </p:nvSpPr>
-        <p:spPr/>
+        <p:spPr>
+          <a:xfrm>
+            <a:off x="875599" y="3288082"/>
+            <a:ext cx="1598579" cy="923330"/>
+          </a:xfrm>
+          <a:prstGeom prst="rect">
+            <a:avLst/>
+          </a:prstGeom>
+          <a:noFill/>
+        </p:spPr>
         <p:txBody>
-          <a:bodyPr/>
+          <a:bodyPr wrap="none" rtlCol="0">
+            <a:spAutoFit/>
+          </a:bodyPr>
           <a:lstStyle/>
           <a:p>
-            <a:endParaRPr lang="en-US"/>
+            <a:r>
+              <a:rPr lang="en-US" dirty="0" smtClean="0"/>
+              <a:t>Tips and Tricks,</a:t>
+            </a:r>
+          </a:p>
+          <a:p>
+            <a:r>
+              <a:rPr lang="en-US" dirty="0" smtClean="0"/>
+              <a:t>Good to know</a:t>
+            </a:r>
+          </a:p>
+          <a:p>
+            <a:r>
+              <a:rPr lang="en-US" dirty="0" smtClean="0"/>
+              <a:t>things</a:t>
+            </a:r>
+            <a:endParaRPr lang="en-US" dirty="0"/>
+          </a:p>
+        </p:txBody>
+      </p:sp>
+      <p:sp>
+        <p:nvSpPr>
+          <p:cNvPr id="11" name="TextBox 10"/>
+          <p:cNvSpPr txBox="1"/>
+          <p:nvPr/>
+        </p:nvSpPr>
+        <p:spPr>
+          <a:xfrm>
+            <a:off x="5160544" y="3288082"/>
+            <a:ext cx="1761060" cy="646331"/>
+          </a:xfrm>
+          <a:prstGeom prst="rect">
+            <a:avLst/>
+          </a:prstGeom>
+          <a:noFill/>
+        </p:spPr>
+        <p:txBody>
+          <a:bodyPr wrap="none" rtlCol="0">
+            <a:spAutoFit/>
+          </a:bodyPr>
+          <a:lstStyle/>
+          <a:p>
+            <a:r>
+              <a:rPr lang="en-US" dirty="0" smtClean="0"/>
+              <a:t>General ideas</a:t>
+            </a:r>
+          </a:p>
+          <a:p>
+            <a:r>
+              <a:rPr lang="en-US" dirty="0" smtClean="0"/>
+              <a:t>where to look at</a:t>
+            </a:r>
+            <a:endParaRPr lang="en-US" dirty="0"/>
+          </a:p>
+        </p:txBody>
+      </p:sp>
+      <p:sp>
+        <p:nvSpPr>
+          <p:cNvPr id="12" name="TextBox 11"/>
+          <p:cNvSpPr txBox="1"/>
+          <p:nvPr/>
+        </p:nvSpPr>
+        <p:spPr>
+          <a:xfrm>
+            <a:off x="3025557" y="3749747"/>
+            <a:ext cx="1073051" cy="646331"/>
+          </a:xfrm>
+          <a:prstGeom prst="rect">
+            <a:avLst/>
+          </a:prstGeom>
+          <a:noFill/>
+        </p:spPr>
+        <p:txBody>
+          <a:bodyPr wrap="none" rtlCol="0">
+            <a:spAutoFit/>
+          </a:bodyPr>
+          <a:lstStyle/>
+          <a:p>
+            <a:r>
+              <a:rPr lang="en-US" dirty="0" smtClean="0"/>
+              <a:t>Overview</a:t>
+            </a:r>
+          </a:p>
+          <a:p>
+            <a:r>
+              <a:rPr lang="en-US" dirty="0" smtClean="0"/>
+              <a:t>Examples</a:t>
+            </a:r>
+            <a:endParaRPr lang="en-US" dirty="0"/>
+          </a:p>
+        </p:txBody>
+      </p:sp>
+      <p:sp>
+        <p:nvSpPr>
+          <p:cNvPr id="13" name="TextBox 12"/>
+          <p:cNvSpPr txBox="1"/>
+          <p:nvPr/>
+        </p:nvSpPr>
+        <p:spPr>
+          <a:xfrm>
+            <a:off x="7369300" y="3749747"/>
+            <a:ext cx="1598579" cy="923330"/>
+          </a:xfrm>
+          <a:prstGeom prst="rect">
+            <a:avLst/>
+          </a:prstGeom>
+          <a:noFill/>
+        </p:spPr>
+        <p:txBody>
+          <a:bodyPr wrap="none" rtlCol="0">
+            <a:spAutoFit/>
+          </a:bodyPr>
+          <a:lstStyle/>
+          <a:p>
+            <a:r>
+              <a:rPr lang="en-US" dirty="0" smtClean="0"/>
+              <a:t>Tips and Tricks,</a:t>
+            </a:r>
+          </a:p>
+          <a:p>
+            <a:r>
+              <a:rPr lang="en-US" dirty="0" smtClean="0"/>
+              <a:t>Good to know</a:t>
+            </a:r>
+          </a:p>
+          <a:p>
+            <a:r>
+              <a:rPr lang="en-US" dirty="0" smtClean="0"/>
+              <a:t>things</a:t>
+            </a:r>
+            <a:endParaRPr lang="en-US" dirty="0"/>
+          </a:p>
+        </p:txBody>
+      </p:sp>
+      <p:sp>
+        <p:nvSpPr>
+          <p:cNvPr id="14" name="TextBox 13"/>
+          <p:cNvSpPr txBox="1"/>
+          <p:nvPr/>
+        </p:nvSpPr>
+        <p:spPr>
+          <a:xfrm>
+            <a:off x="9465501" y="3288082"/>
+            <a:ext cx="1809919" cy="923330"/>
+          </a:xfrm>
+          <a:prstGeom prst="rect">
+            <a:avLst/>
+          </a:prstGeom>
+          <a:noFill/>
+        </p:spPr>
+        <p:txBody>
+          <a:bodyPr wrap="none" rtlCol="0">
+            <a:spAutoFit/>
+          </a:bodyPr>
+          <a:lstStyle/>
+          <a:p>
+            <a:r>
+              <a:rPr lang="en-US" dirty="0" smtClean="0"/>
+              <a:t>Advanced syntax,</a:t>
+            </a:r>
+          </a:p>
+          <a:p>
+            <a:r>
+              <a:rPr lang="en-US" dirty="0" smtClean="0"/>
+              <a:t>Nested deploys,</a:t>
+            </a:r>
+          </a:p>
+          <a:p>
+            <a:r>
+              <a:rPr lang="en-US" dirty="0" smtClean="0"/>
+              <a:t>Tips and Tricks</a:t>
+            </a:r>
+            <a:endParaRPr lang="en-US" dirty="0"/>
           </a:p>
         </p:txBody>
       </p:sp>
@@ -14374,7 +18298,9 @@
         </p:nvSpPr>
         <p:spPr/>
         <p:txBody>
-          <a:bodyPr/>
+          <a:bodyPr>
+            <a:normAutofit lnSpcReduction="10000"/>
+          </a:bodyPr>
           <a:lstStyle/>
           <a:p>
             <a:pPr marL="0" indent="0">
@@ -14384,7 +18310,25 @@
               <a:rPr lang="en-US" dirty="0">
                 <a:hlinkClick r:id="rId2"/>
               </a:rPr>
-              <a:t>Azure Resource Manager overview</a:t>
+              <a:t>Azure Resource Manager </a:t>
+            </a:r>
+            <a:r>
+              <a:rPr lang="en-US" dirty="0" smtClean="0">
+                <a:hlinkClick r:id="rId2"/>
+              </a:rPr>
+              <a:t>overview</a:t>
+            </a:r>
+            <a:endParaRPr lang="en-US" dirty="0" smtClean="0"/>
+          </a:p>
+          <a:p>
+            <a:pPr marL="0" indent="0">
+              <a:buNone/>
+            </a:pPr>
+            <a:r>
+              <a:rPr lang="en-US" smtClean="0">
+                <a:hlinkClick r:id="rId3"/>
+              </a:rPr>
+              <a:t>ARM Template functions reference</a:t>
             </a:r>
             <a:endParaRPr lang="en-US" dirty="0"/>
           </a:p>
@@ -14394,7 +18338,7 @@
             </a:pPr>
             <a:r>
               <a:rPr lang="en-US" dirty="0" smtClean="0">
-                <a:hlinkClick r:id="rId3"/>
+                <a:hlinkClick r:id="rId4"/>
               </a:rPr>
               <a:t>Azure SDK’s</a:t>
             </a:r>
@@ -14406,7 +18350,7 @@
             </a:pPr>
             <a:r>
               <a:rPr lang="en-US" dirty="0" smtClean="0">
-                <a:hlinkClick r:id="rId4"/>
+                <a:hlinkClick r:id="rId5"/>
               </a:rPr>
               <a:t>Azure CLI</a:t>
             </a:r>
@@ -14418,7 +18362,7 @@
             </a:pPr>
             <a:r>
               <a:rPr lang="en-US" dirty="0" smtClean="0">
-                <a:hlinkClick r:id="rId5"/>
+                <a:hlinkClick r:id="rId6"/>
               </a:rPr>
               <a:t>Azure CLI 2.0</a:t>
             </a:r>
@@ -14430,13 +18374,13 @@
             </a:pPr>
             <a:r>
               <a:rPr lang="en-US" dirty="0" smtClean="0">
-                <a:hlinkClick r:id="rId6"/>
+                <a:hlinkClick r:id="rId7"/>
               </a:rPr>
               <a:t>Azure </a:t>
             </a:r>
             <a:r>
               <a:rPr lang="en-US" dirty="0" err="1" smtClean="0">
-                <a:hlinkClick r:id="rId6"/>
+                <a:hlinkClick r:id="rId7"/>
               </a:rPr>
               <a:t>Powershell</a:t>
             </a:r>
@@ -14448,9 +18392,39 @@
             </a:pPr>
             <a:r>
               <a:rPr lang="en-US" dirty="0" smtClean="0">
-                <a:hlinkClick r:id="rId7"/>
+                <a:hlinkClick r:id="rId8"/>
               </a:rPr>
-              <a:t>Azure Preview Portal</a:t>
+              <a:t>Azure Preview </a:t>
+            </a:r>
+            <a:r>
+              <a:rPr lang="en-US" dirty="0" smtClean="0">
+                <a:hlinkClick r:id="rId8"/>
+              </a:rPr>
+              <a:t>Portal</a:t>
+            </a:r>
+            <a:endParaRPr lang="en-US" dirty="0" smtClean="0"/>
+          </a:p>
+          <a:p>
+            <a:pPr marL="0" indent="0">
+              <a:buNone/>
+            </a:pPr>
+            <a:r>
+              <a:rPr lang="en-US" dirty="0" smtClean="0">
+                <a:hlinkClick r:id="rId9"/>
+              </a:rPr>
+              <a:t>Azure Template Examples</a:t>
+            </a:r>
+            <a:endParaRPr lang="en-US" dirty="0" smtClean="0"/>
+          </a:p>
+          <a:p>
+            <a:pPr marL="0" indent="0">
+              <a:buNone/>
+            </a:pPr>
+            <a:r>
+              <a:rPr lang="en-US" dirty="0" smtClean="0">
+                <a:hlinkClick r:id="rId10"/>
+              </a:rPr>
+              <a:t>Examples used in this Talk</a:t>
             </a:r>
             <a:endParaRPr lang="en-US" dirty="0" smtClean="0"/>
           </a:p>
